--- a/Team-Boston.pptx
+++ b/Team-Boston.pptx
@@ -109,7 +109,7 @@
   </p:defaultTextStyle>
   <p:extLst>
     <p:ext uri="{EFAFB233-063F-42B5-8137-9DF3F51BA10A}">
-      <p15:sldGuideLst xmlns:p15="http://schemas.microsoft.com/office/powerpoint/2012/main"/>
+      <p15:sldGuideLst xmlns:p15="http://schemas.microsoft.com/office/powerpoint/2012/main" xmlns=""/>
     </p:ext>
   </p:extLst>
 </p:presentation>
@@ -306,7 +306,7 @@
           <a:p>
             <a:fld id="{8E437C44-02A8-4CB1-8483-7F9DFD9CA9D4}" type="datetimeFigureOut">
               <a:rPr lang="en-GB" smtClean="0"/>
-              <a:t>03/02/2015</a:t>
+              <a:t>04/02/2015</a:t>
             </a:fld>
             <a:endParaRPr lang="en-GB"/>
           </a:p>
@@ -742,7 +742,7 @@
           <a:p>
             <a:fld id="{8E437C44-02A8-4CB1-8483-7F9DFD9CA9D4}" type="datetimeFigureOut">
               <a:rPr lang="en-GB" smtClean="0"/>
-              <a:t>03/02/2015</a:t>
+              <a:t>04/02/2015</a:t>
             </a:fld>
             <a:endParaRPr lang="en-GB"/>
           </a:p>
@@ -992,7 +992,7 @@
           <a:p>
             <a:fld id="{8E437C44-02A8-4CB1-8483-7F9DFD9CA9D4}" type="datetimeFigureOut">
               <a:rPr lang="en-GB" smtClean="0"/>
-              <a:t>03/02/2015</a:t>
+              <a:t>04/02/2015</a:t>
             </a:fld>
             <a:endParaRPr lang="en-GB"/>
           </a:p>
@@ -1300,7 +1300,7 @@
           <a:p>
             <a:fld id="{8E437C44-02A8-4CB1-8483-7F9DFD9CA9D4}" type="datetimeFigureOut">
               <a:rPr lang="en-GB" smtClean="0"/>
-              <a:t>03/02/2015</a:t>
+              <a:t>04/02/2015</a:t>
             </a:fld>
             <a:endParaRPr lang="en-GB"/>
           </a:p>
@@ -1618,7 +1618,7 @@
           <a:p>
             <a:fld id="{8E437C44-02A8-4CB1-8483-7F9DFD9CA9D4}" type="datetimeFigureOut">
               <a:rPr lang="en-GB" smtClean="0"/>
-              <a:t>03/02/2015</a:t>
+              <a:t>04/02/2015</a:t>
             </a:fld>
             <a:endParaRPr lang="en-GB"/>
           </a:p>
@@ -1920,7 +1920,7 @@
           <a:p>
             <a:fld id="{8E437C44-02A8-4CB1-8483-7F9DFD9CA9D4}" type="datetimeFigureOut">
               <a:rPr lang="en-GB" smtClean="0"/>
-              <a:t>03/02/2015</a:t>
+              <a:t>04/02/2015</a:t>
             </a:fld>
             <a:endParaRPr lang="en-GB"/>
           </a:p>
@@ -2287,7 +2287,7 @@
           <a:p>
             <a:fld id="{8E437C44-02A8-4CB1-8483-7F9DFD9CA9D4}" type="datetimeFigureOut">
               <a:rPr lang="en-GB" smtClean="0"/>
-              <a:t>03/02/2015</a:t>
+              <a:t>04/02/2015</a:t>
             </a:fld>
             <a:endParaRPr lang="en-GB"/>
           </a:p>
@@ -2461,7 +2461,7 @@
           <a:p>
             <a:fld id="{8E437C44-02A8-4CB1-8483-7F9DFD9CA9D4}" type="datetimeFigureOut">
               <a:rPr lang="en-GB" smtClean="0"/>
-              <a:t>03/02/2015</a:t>
+              <a:t>04/02/2015</a:t>
             </a:fld>
             <a:endParaRPr lang="en-GB"/>
           </a:p>
@@ -2641,7 +2641,7 @@
           <a:p>
             <a:fld id="{8E437C44-02A8-4CB1-8483-7F9DFD9CA9D4}" type="datetimeFigureOut">
               <a:rPr lang="en-GB" smtClean="0"/>
-              <a:t>03/02/2015</a:t>
+              <a:t>04/02/2015</a:t>
             </a:fld>
             <a:endParaRPr lang="en-GB"/>
           </a:p>
@@ -2811,7 +2811,7 @@
           <a:p>
             <a:fld id="{8E437C44-02A8-4CB1-8483-7F9DFD9CA9D4}" type="datetimeFigureOut">
               <a:rPr lang="en-GB" smtClean="0"/>
-              <a:t>03/02/2015</a:t>
+              <a:t>04/02/2015</a:t>
             </a:fld>
             <a:endParaRPr lang="en-GB"/>
           </a:p>
@@ -3061,7 +3061,7 @@
           <a:p>
             <a:fld id="{8E437C44-02A8-4CB1-8483-7F9DFD9CA9D4}" type="datetimeFigureOut">
               <a:rPr lang="en-GB" smtClean="0"/>
-              <a:t>03/02/2015</a:t>
+              <a:t>04/02/2015</a:t>
             </a:fld>
             <a:endParaRPr lang="en-GB"/>
           </a:p>
@@ -3297,7 +3297,7 @@
           <a:p>
             <a:fld id="{8E437C44-02A8-4CB1-8483-7F9DFD9CA9D4}" type="datetimeFigureOut">
               <a:rPr lang="en-GB" smtClean="0"/>
-              <a:t>03/02/2015</a:t>
+              <a:t>04/02/2015</a:t>
             </a:fld>
             <a:endParaRPr lang="en-GB"/>
           </a:p>
@@ -3679,7 +3679,7 @@
           <a:p>
             <a:fld id="{8E437C44-02A8-4CB1-8483-7F9DFD9CA9D4}" type="datetimeFigureOut">
               <a:rPr lang="en-GB" smtClean="0"/>
-              <a:t>03/02/2015</a:t>
+              <a:t>04/02/2015</a:t>
             </a:fld>
             <a:endParaRPr lang="en-GB"/>
           </a:p>
@@ -3797,7 +3797,7 @@
           <a:p>
             <a:fld id="{8E437C44-02A8-4CB1-8483-7F9DFD9CA9D4}" type="datetimeFigureOut">
               <a:rPr lang="en-GB" smtClean="0"/>
-              <a:t>03/02/2015</a:t>
+              <a:t>04/02/2015</a:t>
             </a:fld>
             <a:endParaRPr lang="en-GB"/>
           </a:p>
@@ -3892,7 +3892,7 @@
           <a:p>
             <a:fld id="{8E437C44-02A8-4CB1-8483-7F9DFD9CA9D4}" type="datetimeFigureOut">
               <a:rPr lang="en-GB" smtClean="0"/>
-              <a:t>03/02/2015</a:t>
+              <a:t>04/02/2015</a:t>
             </a:fld>
             <a:endParaRPr lang="en-GB"/>
           </a:p>
@@ -4147,7 +4147,7 @@
           <a:p>
             <a:fld id="{8E437C44-02A8-4CB1-8483-7F9DFD9CA9D4}" type="datetimeFigureOut">
               <a:rPr lang="en-GB" smtClean="0"/>
-              <a:t>03/02/2015</a:t>
+              <a:t>04/02/2015</a:t>
             </a:fld>
             <a:endParaRPr lang="en-GB"/>
           </a:p>
@@ -4430,7 +4430,7 @@
           <a:p>
             <a:fld id="{8E437C44-02A8-4CB1-8483-7F9DFD9CA9D4}" type="datetimeFigureOut">
               <a:rPr lang="en-GB" smtClean="0"/>
-              <a:t>03/02/2015</a:t>
+              <a:t>04/02/2015</a:t>
             </a:fld>
             <a:endParaRPr lang="en-GB"/>
           </a:p>
@@ -4857,7 +4857,7 @@
           <a:p>
             <a:fld id="{8E437C44-02A8-4CB1-8483-7F9DFD9CA9D4}" type="datetimeFigureOut">
               <a:rPr lang="en-GB" smtClean="0"/>
-              <a:t>03/02/2015</a:t>
+              <a:t>04/02/2015</a:t>
             </a:fld>
             <a:endParaRPr lang="en-GB"/>
           </a:p>
@@ -5704,7 +5704,7 @@
                   <a:schemeClr val="tx1"/>
                 </a:solidFill>
               </a:rPr>
-              <a:t>Deyan</a:t>
+              <a:t>Danail</a:t>
             </a:r>
             <a:r>
               <a:rPr lang="en-GB" sz="3600" dirty="0" smtClean="0">
@@ -6392,7 +6392,7 @@
   <a:extraClrSchemeLst/>
   <a:extLst>
     <a:ext uri="{05A4C25C-085E-4340-85A3-A5531E510DB2}">
-      <thm15:themeFamily xmlns:thm15="http://schemas.microsoft.com/office/thememl/2012/main" name="Slice" id="{0507925B-6AC9-4358-8E18-C330545D08F8}" vid="{13FEC7C6-62A9-40C4-99D2-581AACACAA2F}"/>
+      <thm15:themeFamily xmlns:thm15="http://schemas.microsoft.com/office/thememl/2012/main" xmlns="" name="Slice" id="{0507925B-6AC9-4358-8E18-C330545D08F8}" vid="{13FEC7C6-62A9-40C4-99D2-581AACACAA2F}"/>
     </a:ext>
   </a:extLst>
 </a:theme>

--- a/Team-Boston.pptx
+++ b/Team-Boston.pptx
@@ -4,6 +4,9 @@
   <p:sldMasterIdLst>
     <p:sldMasterId id="2147483708" r:id="rId1"/>
   </p:sldMasterIdLst>
+  <p:notesMasterIdLst>
+    <p:notesMasterId r:id="rId6"/>
+  </p:notesMasterIdLst>
   <p:sldIdLst>
     <p:sldId id="256" r:id="rId2"/>
     <p:sldId id="257" r:id="rId3"/>
@@ -16,58 +19,532 @@
     <a:defPPr>
       <a:defRPr lang="en-US"/>
     </a:defPPr>
-    <a:lvl1pPr marL="0" algn="l" defTabSz="914400" rtl="0" eaLnBrk="1" latinLnBrk="0" hangingPunct="1">
-      <a:defRPr sz="1800" kern="1200">
+    <a:lvl1pPr algn="l" rtl="0" fontAlgn="base">
+      <a:spcBef>
+        <a:spcPct val="0"/>
+      </a:spcBef>
+      <a:spcAft>
+        <a:spcPct val="0"/>
+      </a:spcAft>
+      <a:defRPr kern="1200">
         <a:solidFill>
           <a:schemeClr val="tx1"/>
         </a:solidFill>
-        <a:latin typeface="+mn-lt"/>
+        <a:latin typeface="Arial" charset="0"/>
+        <a:ea typeface="+mn-ea"/>
+        <a:cs typeface="Arial" charset="0"/>
+      </a:defRPr>
+    </a:lvl1pPr>
+    <a:lvl2pPr marL="457200" algn="l" rtl="0" fontAlgn="base">
+      <a:spcBef>
+        <a:spcPct val="0"/>
+      </a:spcBef>
+      <a:spcAft>
+        <a:spcPct val="0"/>
+      </a:spcAft>
+      <a:defRPr kern="1200">
+        <a:solidFill>
+          <a:schemeClr val="tx1"/>
+        </a:solidFill>
+        <a:latin typeface="Arial" charset="0"/>
+        <a:ea typeface="+mn-ea"/>
+        <a:cs typeface="Arial" charset="0"/>
+      </a:defRPr>
+    </a:lvl2pPr>
+    <a:lvl3pPr marL="914400" algn="l" rtl="0" fontAlgn="base">
+      <a:spcBef>
+        <a:spcPct val="0"/>
+      </a:spcBef>
+      <a:spcAft>
+        <a:spcPct val="0"/>
+      </a:spcAft>
+      <a:defRPr kern="1200">
+        <a:solidFill>
+          <a:schemeClr val="tx1"/>
+        </a:solidFill>
+        <a:latin typeface="Arial" charset="0"/>
+        <a:ea typeface="+mn-ea"/>
+        <a:cs typeface="Arial" charset="0"/>
+      </a:defRPr>
+    </a:lvl3pPr>
+    <a:lvl4pPr marL="1371600" algn="l" rtl="0" fontAlgn="base">
+      <a:spcBef>
+        <a:spcPct val="0"/>
+      </a:spcBef>
+      <a:spcAft>
+        <a:spcPct val="0"/>
+      </a:spcAft>
+      <a:defRPr kern="1200">
+        <a:solidFill>
+          <a:schemeClr val="tx1"/>
+        </a:solidFill>
+        <a:latin typeface="Arial" charset="0"/>
+        <a:ea typeface="+mn-ea"/>
+        <a:cs typeface="Arial" charset="0"/>
+      </a:defRPr>
+    </a:lvl4pPr>
+    <a:lvl5pPr marL="1828800" algn="l" rtl="0" fontAlgn="base">
+      <a:spcBef>
+        <a:spcPct val="0"/>
+      </a:spcBef>
+      <a:spcAft>
+        <a:spcPct val="0"/>
+      </a:spcAft>
+      <a:defRPr kern="1200">
+        <a:solidFill>
+          <a:schemeClr val="tx1"/>
+        </a:solidFill>
+        <a:latin typeface="Arial" charset="0"/>
+        <a:ea typeface="+mn-ea"/>
+        <a:cs typeface="Arial" charset="0"/>
+      </a:defRPr>
+    </a:lvl5pPr>
+    <a:lvl6pPr marL="2286000" algn="l" defTabSz="914400" rtl="0" eaLnBrk="1" latinLnBrk="0" hangingPunct="1">
+      <a:defRPr kern="1200">
+        <a:solidFill>
+          <a:schemeClr val="tx1"/>
+        </a:solidFill>
+        <a:latin typeface="Arial" charset="0"/>
+        <a:ea typeface="+mn-ea"/>
+        <a:cs typeface="Arial" charset="0"/>
+      </a:defRPr>
+    </a:lvl6pPr>
+    <a:lvl7pPr marL="2743200" algn="l" defTabSz="914400" rtl="0" eaLnBrk="1" latinLnBrk="0" hangingPunct="1">
+      <a:defRPr kern="1200">
+        <a:solidFill>
+          <a:schemeClr val="tx1"/>
+        </a:solidFill>
+        <a:latin typeface="Arial" charset="0"/>
+        <a:ea typeface="+mn-ea"/>
+        <a:cs typeface="Arial" charset="0"/>
+      </a:defRPr>
+    </a:lvl7pPr>
+    <a:lvl8pPr marL="3200400" algn="l" defTabSz="914400" rtl="0" eaLnBrk="1" latinLnBrk="0" hangingPunct="1">
+      <a:defRPr kern="1200">
+        <a:solidFill>
+          <a:schemeClr val="tx1"/>
+        </a:solidFill>
+        <a:latin typeface="Arial" charset="0"/>
+        <a:ea typeface="+mn-ea"/>
+        <a:cs typeface="Arial" charset="0"/>
+      </a:defRPr>
+    </a:lvl8pPr>
+    <a:lvl9pPr marL="3657600" algn="l" defTabSz="914400" rtl="0" eaLnBrk="1" latinLnBrk="0" hangingPunct="1">
+      <a:defRPr kern="1200">
+        <a:solidFill>
+          <a:schemeClr val="tx1"/>
+        </a:solidFill>
+        <a:latin typeface="Arial" charset="0"/>
+        <a:ea typeface="+mn-ea"/>
+        <a:cs typeface="Arial" charset="0"/>
+      </a:defRPr>
+    </a:lvl9pPr>
+  </p:defaultTextStyle>
+</p:presentation>
+</file>
+
+<file path=ppt/notesMasters/notesMaster1.xml><?xml version="1.0" encoding="utf-8"?>
+<p:notesMaster xmlns:a="http://schemas.openxmlformats.org/drawingml/2006/main" xmlns:r="http://schemas.openxmlformats.org/officeDocument/2006/relationships" xmlns:p="http://schemas.openxmlformats.org/presentationml/2006/main">
+  <p:cSld>
+    <p:bg>
+      <p:bgPr>
+        <a:solidFill>
+          <a:schemeClr val="bg1"/>
+        </a:solidFill>
+        <a:effectLst/>
+      </p:bgPr>
+    </p:bg>
+    <p:spTree>
+      <p:nvGrpSpPr>
+        <p:cNvPr id="1" name=""/>
+        <p:cNvGrpSpPr/>
+        <p:nvPr/>
+      </p:nvGrpSpPr>
+      <p:grpSpPr>
+        <a:xfrm>
+          <a:off x="0" y="0"/>
+          <a:ext cx="0" cy="0"/>
+          <a:chOff x="0" y="0"/>
+          <a:chExt cx="0" cy="0"/>
+        </a:xfrm>
+      </p:grpSpPr>
+      <p:sp>
+        <p:nvSpPr>
+          <p:cNvPr id="40962" name="Rectangle 2"/>
+          <p:cNvSpPr>
+            <a:spLocks noGrp="1" noChangeArrowheads="1"/>
+          </p:cNvSpPr>
+          <p:nvPr>
+            <p:ph type="hdr" sz="quarter"/>
+          </p:nvPr>
+        </p:nvSpPr>
+        <p:spPr bwMode="auto">
+          <a:xfrm>
+            <a:off x="0" y="0"/>
+            <a:ext cx="2971800" cy="457200"/>
+          </a:xfrm>
+          <a:prstGeom prst="rect">
+            <a:avLst/>
+          </a:prstGeom>
+          <a:noFill/>
+          <a:ln w="9525">
+            <a:noFill/>
+            <a:miter lim="800000"/>
+            <a:headEnd/>
+            <a:tailEnd/>
+          </a:ln>
+          <a:effectLst/>
+        </p:spPr>
+        <p:txBody>
+          <a:bodyPr vert="horz" wrap="square" lIns="91440" tIns="45720" rIns="91440" bIns="45720" numCol="1" anchor="t" anchorCtr="0" compatLnSpc="1">
+            <a:prstTxWarp prst="textNoShape">
+              <a:avLst/>
+            </a:prstTxWarp>
+          </a:bodyPr>
+          <a:lstStyle>
+            <a:lvl1pPr>
+              <a:defRPr sz="1200">
+                <a:latin typeface="Century Gothic" pitchFamily="34" charset="0"/>
+              </a:defRPr>
+            </a:lvl1pPr>
+          </a:lstStyle>
+          <a:p>
+            <a:endParaRPr lang="bg-BG"/>
+          </a:p>
+        </p:txBody>
+      </p:sp>
+      <p:sp>
+        <p:nvSpPr>
+          <p:cNvPr id="40963" name="Rectangle 3"/>
+          <p:cNvSpPr>
+            <a:spLocks noGrp="1" noChangeArrowheads="1"/>
+          </p:cNvSpPr>
+          <p:nvPr>
+            <p:ph type="dt" idx="1"/>
+          </p:nvPr>
+        </p:nvSpPr>
+        <p:spPr bwMode="auto">
+          <a:xfrm>
+            <a:off x="3884613" y="0"/>
+            <a:ext cx="2971800" cy="457200"/>
+          </a:xfrm>
+          <a:prstGeom prst="rect">
+            <a:avLst/>
+          </a:prstGeom>
+          <a:noFill/>
+          <a:ln w="9525">
+            <a:noFill/>
+            <a:miter lim="800000"/>
+            <a:headEnd/>
+            <a:tailEnd/>
+          </a:ln>
+          <a:effectLst/>
+        </p:spPr>
+        <p:txBody>
+          <a:bodyPr vert="horz" wrap="square" lIns="91440" tIns="45720" rIns="91440" bIns="45720" numCol="1" anchor="t" anchorCtr="0" compatLnSpc="1">
+            <a:prstTxWarp prst="textNoShape">
+              <a:avLst/>
+            </a:prstTxWarp>
+          </a:bodyPr>
+          <a:lstStyle>
+            <a:lvl1pPr algn="r">
+              <a:defRPr sz="1200">
+                <a:latin typeface="Century Gothic" pitchFamily="34" charset="0"/>
+              </a:defRPr>
+            </a:lvl1pPr>
+          </a:lstStyle>
+          <a:p>
+            <a:fld id="{40925B13-E444-4EBD-A75C-B35BE6646725}" type="datetimeFigureOut">
+              <a:rPr lang="bg-BG"/>
+              <a:pPr/>
+              <a:t>4.2.2015 г.</a:t>
+            </a:fld>
+            <a:endParaRPr lang="bg-BG"/>
+          </a:p>
+        </p:txBody>
+      </p:sp>
+      <p:sp>
+        <p:nvSpPr>
+          <p:cNvPr id="40964" name="Rectangle 4"/>
+          <p:cNvSpPr>
+            <a:spLocks noRot="1" noChangeArrowheads="1" noTextEdit="1"/>
+          </p:cNvSpPr>
+          <p:nvPr>
+            <p:ph type="sldImg" idx="2"/>
+          </p:nvPr>
+        </p:nvSpPr>
+        <p:spPr bwMode="auto">
+          <a:xfrm>
+            <a:off x="381000" y="685800"/>
+            <a:ext cx="6096000" cy="3429000"/>
+          </a:xfrm>
+          <a:prstGeom prst="rect">
+            <a:avLst/>
+          </a:prstGeom>
+          <a:noFill/>
+          <a:ln w="9525">
+            <a:solidFill>
+              <a:srgbClr val="000000"/>
+            </a:solidFill>
+            <a:miter lim="800000"/>
+            <a:headEnd/>
+            <a:tailEnd/>
+          </a:ln>
+          <a:effectLst/>
+        </p:spPr>
+      </p:sp>
+      <p:sp>
+        <p:nvSpPr>
+          <p:cNvPr id="40965" name="Rectangle 5"/>
+          <p:cNvSpPr>
+            <a:spLocks noGrp="1" noChangeArrowheads="1"/>
+          </p:cNvSpPr>
+          <p:nvPr>
+            <p:ph type="body" sz="quarter" idx="3"/>
+          </p:nvPr>
+        </p:nvSpPr>
+        <p:spPr bwMode="auto">
+          <a:xfrm>
+            <a:off x="685800" y="4343400"/>
+            <a:ext cx="5486400" cy="4114800"/>
+          </a:xfrm>
+          <a:prstGeom prst="rect">
+            <a:avLst/>
+          </a:prstGeom>
+          <a:noFill/>
+          <a:ln w="9525">
+            <a:noFill/>
+            <a:miter lim="800000"/>
+            <a:headEnd/>
+            <a:tailEnd/>
+          </a:ln>
+          <a:effectLst/>
+        </p:spPr>
+        <p:txBody>
+          <a:bodyPr vert="horz" wrap="square" lIns="91440" tIns="45720" rIns="91440" bIns="45720" numCol="1" anchor="t" anchorCtr="0" compatLnSpc="1">
+            <a:prstTxWarp prst="textNoShape">
+              <a:avLst/>
+            </a:prstTxWarp>
+          </a:bodyPr>
+          <a:lstStyle/>
+          <a:p>
+            <a:pPr lvl="0"/>
+            <a:r>
+              <a:rPr lang="bg-BG" smtClean="0"/>
+              <a:t>Click to edit Master text styles</a:t>
+            </a:r>
+          </a:p>
+          <a:p>
+            <a:pPr lvl="1"/>
+            <a:r>
+              <a:rPr lang="bg-BG" smtClean="0"/>
+              <a:t>Second level</a:t>
+            </a:r>
+          </a:p>
+          <a:p>
+            <a:pPr lvl="2"/>
+            <a:r>
+              <a:rPr lang="bg-BG" smtClean="0"/>
+              <a:t>Third level</a:t>
+            </a:r>
+          </a:p>
+          <a:p>
+            <a:pPr lvl="3"/>
+            <a:r>
+              <a:rPr lang="bg-BG" smtClean="0"/>
+              <a:t>Fourth level</a:t>
+            </a:r>
+          </a:p>
+          <a:p>
+            <a:pPr lvl="4"/>
+            <a:r>
+              <a:rPr lang="bg-BG" smtClean="0"/>
+              <a:t>Fifth level</a:t>
+            </a:r>
+          </a:p>
+        </p:txBody>
+      </p:sp>
+      <p:sp>
+        <p:nvSpPr>
+          <p:cNvPr id="40966" name="Rectangle 6"/>
+          <p:cNvSpPr>
+            <a:spLocks noGrp="1" noChangeArrowheads="1"/>
+          </p:cNvSpPr>
+          <p:nvPr>
+            <p:ph type="ftr" sz="quarter" idx="4"/>
+          </p:nvPr>
+        </p:nvSpPr>
+        <p:spPr bwMode="auto">
+          <a:xfrm>
+            <a:off x="0" y="8685213"/>
+            <a:ext cx="2971800" cy="457200"/>
+          </a:xfrm>
+          <a:prstGeom prst="rect">
+            <a:avLst/>
+          </a:prstGeom>
+          <a:noFill/>
+          <a:ln w="9525">
+            <a:noFill/>
+            <a:miter lim="800000"/>
+            <a:headEnd/>
+            <a:tailEnd/>
+          </a:ln>
+          <a:effectLst/>
+        </p:spPr>
+        <p:txBody>
+          <a:bodyPr vert="horz" wrap="square" lIns="91440" tIns="45720" rIns="91440" bIns="45720" numCol="1" anchor="b" anchorCtr="0" compatLnSpc="1">
+            <a:prstTxWarp prst="textNoShape">
+              <a:avLst/>
+            </a:prstTxWarp>
+          </a:bodyPr>
+          <a:lstStyle>
+            <a:lvl1pPr>
+              <a:defRPr sz="1200">
+                <a:latin typeface="Century Gothic" pitchFamily="34" charset="0"/>
+              </a:defRPr>
+            </a:lvl1pPr>
+          </a:lstStyle>
+          <a:p>
+            <a:endParaRPr lang="bg-BG"/>
+          </a:p>
+        </p:txBody>
+      </p:sp>
+      <p:sp>
+        <p:nvSpPr>
+          <p:cNvPr id="40967" name="Rectangle 7"/>
+          <p:cNvSpPr>
+            <a:spLocks noGrp="1" noChangeArrowheads="1"/>
+          </p:cNvSpPr>
+          <p:nvPr>
+            <p:ph type="sldNum" sz="quarter" idx="5"/>
+          </p:nvPr>
+        </p:nvSpPr>
+        <p:spPr bwMode="auto">
+          <a:xfrm>
+            <a:off x="3884613" y="8685213"/>
+            <a:ext cx="2971800" cy="457200"/>
+          </a:xfrm>
+          <a:prstGeom prst="rect">
+            <a:avLst/>
+          </a:prstGeom>
+          <a:noFill/>
+          <a:ln w="9525">
+            <a:noFill/>
+            <a:miter lim="800000"/>
+            <a:headEnd/>
+            <a:tailEnd/>
+          </a:ln>
+          <a:effectLst/>
+        </p:spPr>
+        <p:txBody>
+          <a:bodyPr vert="horz" wrap="square" lIns="91440" tIns="45720" rIns="91440" bIns="45720" numCol="1" anchor="b" anchorCtr="0" compatLnSpc="1">
+            <a:prstTxWarp prst="textNoShape">
+              <a:avLst/>
+            </a:prstTxWarp>
+          </a:bodyPr>
+          <a:lstStyle>
+            <a:lvl1pPr algn="r">
+              <a:defRPr sz="1200">
+                <a:latin typeface="Century Gothic" pitchFamily="34" charset="0"/>
+              </a:defRPr>
+            </a:lvl1pPr>
+          </a:lstStyle>
+          <a:p>
+            <a:fld id="{02FD142C-4336-423D-8AFF-D3C7A656FDD9}" type="slidenum">
+              <a:rPr lang="bg-BG"/>
+              <a:pPr/>
+              <a:t>‹#›</a:t>
+            </a:fld>
+            <a:endParaRPr lang="bg-BG"/>
+          </a:p>
+        </p:txBody>
+      </p:sp>
+    </p:spTree>
+  </p:cSld>
+  <p:clrMap bg1="lt1" tx1="dk1" bg2="lt2" tx2="dk2" accent1="accent1" accent2="accent2" accent3="accent3" accent4="accent4" accent5="accent5" accent6="accent6" hlink="hlink" folHlink="folHlink"/>
+  <p:notesStyle>
+    <a:lvl1pPr algn="l" rtl="0" fontAlgn="base">
+      <a:spcBef>
+        <a:spcPct val="30000"/>
+      </a:spcBef>
+      <a:spcAft>
+        <a:spcPct val="0"/>
+      </a:spcAft>
+      <a:defRPr sz="1200" kern="1200">
+        <a:solidFill>
+          <a:schemeClr val="tx1"/>
+        </a:solidFill>
+        <a:latin typeface="Calibri" pitchFamily="34" charset="0"/>
         <a:ea typeface="+mn-ea"/>
         <a:cs typeface="+mn-cs"/>
       </a:defRPr>
     </a:lvl1pPr>
-    <a:lvl2pPr marL="457200" algn="l" defTabSz="914400" rtl="0" eaLnBrk="1" latinLnBrk="0" hangingPunct="1">
-      <a:defRPr sz="1800" kern="1200">
+    <a:lvl2pPr marL="457200" algn="l" rtl="0" fontAlgn="base">
+      <a:spcBef>
+        <a:spcPct val="30000"/>
+      </a:spcBef>
+      <a:spcAft>
+        <a:spcPct val="0"/>
+      </a:spcAft>
+      <a:defRPr sz="1200" kern="1200">
         <a:solidFill>
           <a:schemeClr val="tx1"/>
         </a:solidFill>
-        <a:latin typeface="+mn-lt"/>
+        <a:latin typeface="Calibri" pitchFamily="34" charset="0"/>
         <a:ea typeface="+mn-ea"/>
         <a:cs typeface="+mn-cs"/>
       </a:defRPr>
     </a:lvl2pPr>
-    <a:lvl3pPr marL="914400" algn="l" defTabSz="914400" rtl="0" eaLnBrk="1" latinLnBrk="0" hangingPunct="1">
-      <a:defRPr sz="1800" kern="1200">
+    <a:lvl3pPr marL="914400" algn="l" rtl="0" fontAlgn="base">
+      <a:spcBef>
+        <a:spcPct val="30000"/>
+      </a:spcBef>
+      <a:spcAft>
+        <a:spcPct val="0"/>
+      </a:spcAft>
+      <a:defRPr sz="1200" kern="1200">
         <a:solidFill>
           <a:schemeClr val="tx1"/>
         </a:solidFill>
-        <a:latin typeface="+mn-lt"/>
+        <a:latin typeface="Calibri" pitchFamily="34" charset="0"/>
         <a:ea typeface="+mn-ea"/>
         <a:cs typeface="+mn-cs"/>
       </a:defRPr>
     </a:lvl3pPr>
-    <a:lvl4pPr marL="1371600" algn="l" defTabSz="914400" rtl="0" eaLnBrk="1" latinLnBrk="0" hangingPunct="1">
-      <a:defRPr sz="1800" kern="1200">
+    <a:lvl4pPr marL="1371600" algn="l" rtl="0" fontAlgn="base">
+      <a:spcBef>
+        <a:spcPct val="30000"/>
+      </a:spcBef>
+      <a:spcAft>
+        <a:spcPct val="0"/>
+      </a:spcAft>
+      <a:defRPr sz="1200" kern="1200">
         <a:solidFill>
           <a:schemeClr val="tx1"/>
         </a:solidFill>
-        <a:latin typeface="+mn-lt"/>
+        <a:latin typeface="Calibri" pitchFamily="34" charset="0"/>
         <a:ea typeface="+mn-ea"/>
         <a:cs typeface="+mn-cs"/>
       </a:defRPr>
     </a:lvl4pPr>
-    <a:lvl5pPr marL="1828800" algn="l" defTabSz="914400" rtl="0" eaLnBrk="1" latinLnBrk="0" hangingPunct="1">
-      <a:defRPr sz="1800" kern="1200">
+    <a:lvl5pPr marL="1828800" algn="l" rtl="0" fontAlgn="base">
+      <a:spcBef>
+        <a:spcPct val="30000"/>
+      </a:spcBef>
+      <a:spcAft>
+        <a:spcPct val="0"/>
+      </a:spcAft>
+      <a:defRPr sz="1200" kern="1200">
         <a:solidFill>
           <a:schemeClr val="tx1"/>
         </a:solidFill>
-        <a:latin typeface="+mn-lt"/>
+        <a:latin typeface="Calibri" pitchFamily="34" charset="0"/>
         <a:ea typeface="+mn-ea"/>
         <a:cs typeface="+mn-cs"/>
       </a:defRPr>
     </a:lvl5pPr>
     <a:lvl6pPr marL="2286000" algn="l" defTabSz="914400" rtl="0" eaLnBrk="1" latinLnBrk="0" hangingPunct="1">
-      <a:defRPr sz="1800" kern="1200">
+      <a:defRPr sz="1200" kern="1200">
         <a:solidFill>
           <a:schemeClr val="tx1"/>
         </a:solidFill>
@@ -77,7 +554,7 @@
       </a:defRPr>
     </a:lvl6pPr>
     <a:lvl7pPr marL="2743200" algn="l" defTabSz="914400" rtl="0" eaLnBrk="1" latinLnBrk="0" hangingPunct="1">
-      <a:defRPr sz="1800" kern="1200">
+      <a:defRPr sz="1200" kern="1200">
         <a:solidFill>
           <a:schemeClr val="tx1"/>
         </a:solidFill>
@@ -87,7 +564,7 @@
       </a:defRPr>
     </a:lvl7pPr>
     <a:lvl8pPr marL="3200400" algn="l" defTabSz="914400" rtl="0" eaLnBrk="1" latinLnBrk="0" hangingPunct="1">
-      <a:defRPr sz="1800" kern="1200">
+      <a:defRPr sz="1200" kern="1200">
         <a:solidFill>
           <a:schemeClr val="tx1"/>
         </a:solidFill>
@@ -97,7 +574,7 @@
       </a:defRPr>
     </a:lvl8pPr>
     <a:lvl9pPr marL="3657600" algn="l" defTabSz="914400" rtl="0" eaLnBrk="1" latinLnBrk="0" hangingPunct="1">
-      <a:defRPr sz="1800" kern="1200">
+      <a:defRPr sz="1200" kern="1200">
         <a:solidFill>
           <a:schemeClr val="tx1"/>
         </a:solidFill>
@@ -106,13 +583,240 @@
         <a:cs typeface="+mn-cs"/>
       </a:defRPr>
     </a:lvl9pPr>
-  </p:defaultTextStyle>
-  <p:extLst>
-    <p:ext uri="{EFAFB233-063F-42B5-8137-9DF3F51BA10A}">
-      <p15:sldGuideLst xmlns:p15="http://schemas.microsoft.com/office/powerpoint/2012/main" xmlns=""/>
-    </p:ext>
-  </p:extLst>
-</p:presentation>
+  </p:notesStyle>
+</p:notesMaster>
+</file>
+
+<file path=ppt/notesSlides/notesSlide1.xml><?xml version="1.0" encoding="utf-8"?>
+<p:notes xmlns:a="http://schemas.openxmlformats.org/drawingml/2006/main" xmlns:r="http://schemas.openxmlformats.org/officeDocument/2006/relationships" xmlns:p="http://schemas.openxmlformats.org/presentationml/2006/main">
+  <p:cSld>
+    <p:spTree>
+      <p:nvGrpSpPr>
+        <p:cNvPr id="1" name=""/>
+        <p:cNvGrpSpPr/>
+        <p:nvPr/>
+      </p:nvGrpSpPr>
+      <p:grpSpPr>
+        <a:xfrm>
+          <a:off x="0" y="0"/>
+          <a:ext cx="0" cy="0"/>
+          <a:chOff x="0" y="0"/>
+          <a:chExt cx="0" cy="0"/>
+        </a:xfrm>
+      </p:grpSpPr>
+      <p:sp>
+        <p:nvSpPr>
+          <p:cNvPr id="41986" name="Rectangle 2"/>
+          <p:cNvSpPr>
+            <a:spLocks noRot="1" noChangeArrowheads="1" noTextEdit="1"/>
+          </p:cNvSpPr>
+          <p:nvPr>
+            <p:ph type="sldImg"/>
+          </p:nvPr>
+        </p:nvSpPr>
+        <p:spPr>
+          <a:ln/>
+        </p:spPr>
+      </p:sp>
+      <p:sp>
+        <p:nvSpPr>
+          <p:cNvPr id="41987" name="Rectangle 3"/>
+          <p:cNvSpPr>
+            <a:spLocks noGrp="1" noChangeArrowheads="1"/>
+          </p:cNvSpPr>
+          <p:nvPr>
+            <p:ph type="body" idx="1"/>
+          </p:nvPr>
+        </p:nvSpPr>
+        <p:spPr/>
+        <p:txBody>
+          <a:bodyPr/>
+          <a:lstStyle/>
+          <a:p>
+            <a:endParaRPr lang="bg-BG"/>
+          </a:p>
+        </p:txBody>
+      </p:sp>
+    </p:spTree>
+  </p:cSld>
+  <p:clrMapOvr>
+    <a:masterClrMapping/>
+  </p:clrMapOvr>
+</p:notes>
+</file>
+
+<file path=ppt/notesSlides/notesSlide2.xml><?xml version="1.0" encoding="utf-8"?>
+<p:notes xmlns:a="http://schemas.openxmlformats.org/drawingml/2006/main" xmlns:r="http://schemas.openxmlformats.org/officeDocument/2006/relationships" xmlns:p="http://schemas.openxmlformats.org/presentationml/2006/main">
+  <p:cSld>
+    <p:spTree>
+      <p:nvGrpSpPr>
+        <p:cNvPr id="1" name=""/>
+        <p:cNvGrpSpPr/>
+        <p:nvPr/>
+      </p:nvGrpSpPr>
+      <p:grpSpPr>
+        <a:xfrm>
+          <a:off x="0" y="0"/>
+          <a:ext cx="0" cy="0"/>
+          <a:chOff x="0" y="0"/>
+          <a:chExt cx="0" cy="0"/>
+        </a:xfrm>
+      </p:grpSpPr>
+      <p:sp>
+        <p:nvSpPr>
+          <p:cNvPr id="43010" name="Rectangle 2"/>
+          <p:cNvSpPr>
+            <a:spLocks noRot="1" noChangeArrowheads="1" noTextEdit="1"/>
+          </p:cNvSpPr>
+          <p:nvPr>
+            <p:ph type="sldImg"/>
+          </p:nvPr>
+        </p:nvSpPr>
+        <p:spPr>
+          <a:ln/>
+        </p:spPr>
+      </p:sp>
+      <p:sp>
+        <p:nvSpPr>
+          <p:cNvPr id="43011" name="Rectangle 3"/>
+          <p:cNvSpPr>
+            <a:spLocks noGrp="1" noChangeArrowheads="1"/>
+          </p:cNvSpPr>
+          <p:nvPr>
+            <p:ph type="body" idx="1"/>
+          </p:nvPr>
+        </p:nvSpPr>
+        <p:spPr/>
+        <p:txBody>
+          <a:bodyPr/>
+          <a:lstStyle/>
+          <a:p>
+            <a:endParaRPr lang="bg-BG"/>
+          </a:p>
+        </p:txBody>
+      </p:sp>
+    </p:spTree>
+  </p:cSld>
+  <p:clrMapOvr>
+    <a:masterClrMapping/>
+  </p:clrMapOvr>
+</p:notes>
+</file>
+
+<file path=ppt/notesSlides/notesSlide3.xml><?xml version="1.0" encoding="utf-8"?>
+<p:notes xmlns:a="http://schemas.openxmlformats.org/drawingml/2006/main" xmlns:r="http://schemas.openxmlformats.org/officeDocument/2006/relationships" xmlns:p="http://schemas.openxmlformats.org/presentationml/2006/main">
+  <p:cSld>
+    <p:spTree>
+      <p:nvGrpSpPr>
+        <p:cNvPr id="1" name=""/>
+        <p:cNvGrpSpPr/>
+        <p:nvPr/>
+      </p:nvGrpSpPr>
+      <p:grpSpPr>
+        <a:xfrm>
+          <a:off x="0" y="0"/>
+          <a:ext cx="0" cy="0"/>
+          <a:chOff x="0" y="0"/>
+          <a:chExt cx="0" cy="0"/>
+        </a:xfrm>
+      </p:grpSpPr>
+      <p:sp>
+        <p:nvSpPr>
+          <p:cNvPr id="44034" name="Rectangle 2"/>
+          <p:cNvSpPr>
+            <a:spLocks noRot="1" noChangeArrowheads="1" noTextEdit="1"/>
+          </p:cNvSpPr>
+          <p:nvPr>
+            <p:ph type="sldImg"/>
+          </p:nvPr>
+        </p:nvSpPr>
+        <p:spPr>
+          <a:ln/>
+        </p:spPr>
+      </p:sp>
+      <p:sp>
+        <p:nvSpPr>
+          <p:cNvPr id="44035" name="Rectangle 3"/>
+          <p:cNvSpPr>
+            <a:spLocks noGrp="1" noChangeArrowheads="1"/>
+          </p:cNvSpPr>
+          <p:nvPr>
+            <p:ph type="body" idx="1"/>
+          </p:nvPr>
+        </p:nvSpPr>
+        <p:spPr/>
+        <p:txBody>
+          <a:bodyPr/>
+          <a:lstStyle/>
+          <a:p>
+            <a:endParaRPr lang="bg-BG"/>
+          </a:p>
+        </p:txBody>
+      </p:sp>
+    </p:spTree>
+  </p:cSld>
+  <p:clrMapOvr>
+    <a:masterClrMapping/>
+  </p:clrMapOvr>
+</p:notes>
+</file>
+
+<file path=ppt/notesSlides/notesSlide4.xml><?xml version="1.0" encoding="utf-8"?>
+<p:notes xmlns:a="http://schemas.openxmlformats.org/drawingml/2006/main" xmlns:r="http://schemas.openxmlformats.org/officeDocument/2006/relationships" xmlns:p="http://schemas.openxmlformats.org/presentationml/2006/main">
+  <p:cSld>
+    <p:spTree>
+      <p:nvGrpSpPr>
+        <p:cNvPr id="1" name=""/>
+        <p:cNvGrpSpPr/>
+        <p:nvPr/>
+      </p:nvGrpSpPr>
+      <p:grpSpPr>
+        <a:xfrm>
+          <a:off x="0" y="0"/>
+          <a:ext cx="0" cy="0"/>
+          <a:chOff x="0" y="0"/>
+          <a:chExt cx="0" cy="0"/>
+        </a:xfrm>
+      </p:grpSpPr>
+      <p:sp>
+        <p:nvSpPr>
+          <p:cNvPr id="45058" name="Rectangle 2"/>
+          <p:cNvSpPr>
+            <a:spLocks noRot="1" noChangeArrowheads="1" noTextEdit="1"/>
+          </p:cNvSpPr>
+          <p:nvPr>
+            <p:ph type="sldImg"/>
+          </p:nvPr>
+        </p:nvSpPr>
+        <p:spPr>
+          <a:ln/>
+        </p:spPr>
+      </p:sp>
+      <p:sp>
+        <p:nvSpPr>
+          <p:cNvPr id="45059" name="Rectangle 3"/>
+          <p:cNvSpPr>
+            <a:spLocks noGrp="1" noChangeArrowheads="1"/>
+          </p:cNvSpPr>
+          <p:nvPr>
+            <p:ph type="body" idx="1"/>
+          </p:nvPr>
+        </p:nvSpPr>
+        <p:spPr/>
+        <p:txBody>
+          <a:bodyPr/>
+          <a:lstStyle/>
+          <a:p>
+            <a:endParaRPr lang="bg-BG"/>
+          </a:p>
+        </p:txBody>
+      </p:sp>
+    </p:spTree>
+  </p:cSld>
+  <p:clrMapOvr>
+    <a:masterClrMapping/>
+  </p:clrMapOvr>
+</p:notes>
 </file>
 
 <file path=ppt/slideLayouts/slideLayout1.xml><?xml version="1.0" encoding="utf-8"?>
@@ -132,237 +836,15 @@
           <a:chExt cx="0" cy="0"/>
         </a:xfrm>
       </p:grpSpPr>
-      <p:sp>
-        <p:nvSpPr>
-          <p:cNvPr id="2" name="Title 1"/>
-          <p:cNvSpPr>
-            <a:spLocks noGrp="1"/>
-          </p:cNvSpPr>
-          <p:nvPr>
-            <p:ph type="ctrTitle"/>
-          </p:nvPr>
-        </p:nvSpPr>
-        <p:spPr>
-          <a:xfrm>
-            <a:off x="684212" y="685799"/>
-            <a:ext cx="8001000" cy="2971801"/>
-          </a:xfrm>
-        </p:spPr>
-        <p:txBody>
-          <a:bodyPr anchor="b">
-            <a:normAutofit/>
-          </a:bodyPr>
-          <a:lstStyle>
-            <a:lvl1pPr algn="l">
-              <a:defRPr sz="4800">
-                <a:effectLst/>
-              </a:defRPr>
-            </a:lvl1pPr>
-          </a:lstStyle>
-          <a:p>
-            <a:r>
-              <a:rPr lang="en-US" smtClean="0"/>
-              <a:t>Click to edit Master title style</a:t>
-            </a:r>
-            <a:endParaRPr lang="en-US" dirty="0"/>
-          </a:p>
-        </p:txBody>
-      </p:sp>
-      <p:sp>
-        <p:nvSpPr>
-          <p:cNvPr id="3" name="Subtitle 2"/>
-          <p:cNvSpPr>
-            <a:spLocks noGrp="1"/>
-          </p:cNvSpPr>
-          <p:nvPr>
-            <p:ph type="subTitle" idx="1"/>
-          </p:nvPr>
-        </p:nvSpPr>
-        <p:spPr>
-          <a:xfrm>
-            <a:off x="684212" y="3843867"/>
-            <a:ext cx="6400800" cy="1947333"/>
-          </a:xfrm>
-        </p:spPr>
-        <p:txBody>
-          <a:bodyPr anchor="t">
-            <a:normAutofit/>
-          </a:bodyPr>
-          <a:lstStyle>
-            <a:lvl1pPr marL="0" indent="0" algn="l">
-              <a:buNone/>
-              <a:defRPr sz="2100">
-                <a:solidFill>
-                  <a:schemeClr val="bg2">
-                    <a:lumMod val="75000"/>
-                  </a:schemeClr>
-                </a:solidFill>
-              </a:defRPr>
-            </a:lvl1pPr>
-            <a:lvl2pPr marL="457200" indent="0" algn="ctr">
-              <a:buNone/>
-              <a:defRPr>
-                <a:solidFill>
-                  <a:schemeClr val="tx1">
-                    <a:tint val="75000"/>
-                  </a:schemeClr>
-                </a:solidFill>
-              </a:defRPr>
-            </a:lvl2pPr>
-            <a:lvl3pPr marL="914400" indent="0" algn="ctr">
-              <a:buNone/>
-              <a:defRPr>
-                <a:solidFill>
-                  <a:schemeClr val="tx1">
-                    <a:tint val="75000"/>
-                  </a:schemeClr>
-                </a:solidFill>
-              </a:defRPr>
-            </a:lvl3pPr>
-            <a:lvl4pPr marL="1371600" indent="0" algn="ctr">
-              <a:buNone/>
-              <a:defRPr>
-                <a:solidFill>
-                  <a:schemeClr val="tx1">
-                    <a:tint val="75000"/>
-                  </a:schemeClr>
-                </a:solidFill>
-              </a:defRPr>
-            </a:lvl4pPr>
-            <a:lvl5pPr marL="1828800" indent="0" algn="ctr">
-              <a:buNone/>
-              <a:defRPr>
-                <a:solidFill>
-                  <a:schemeClr val="tx1">
-                    <a:tint val="75000"/>
-                  </a:schemeClr>
-                </a:solidFill>
-              </a:defRPr>
-            </a:lvl5pPr>
-            <a:lvl6pPr marL="2286000" indent="0" algn="ctr">
-              <a:buNone/>
-              <a:defRPr>
-                <a:solidFill>
-                  <a:schemeClr val="tx1">
-                    <a:tint val="75000"/>
-                  </a:schemeClr>
-                </a:solidFill>
-              </a:defRPr>
-            </a:lvl6pPr>
-            <a:lvl7pPr marL="2743200" indent="0" algn="ctr">
-              <a:buNone/>
-              <a:defRPr>
-                <a:solidFill>
-                  <a:schemeClr val="tx1">
-                    <a:tint val="75000"/>
-                  </a:schemeClr>
-                </a:solidFill>
-              </a:defRPr>
-            </a:lvl7pPr>
-            <a:lvl8pPr marL="3200400" indent="0" algn="ctr">
-              <a:buNone/>
-              <a:defRPr>
-                <a:solidFill>
-                  <a:schemeClr val="tx1">
-                    <a:tint val="75000"/>
-                  </a:schemeClr>
-                </a:solidFill>
-              </a:defRPr>
-            </a:lvl8pPr>
-            <a:lvl9pPr marL="3657600" indent="0" algn="ctr">
-              <a:buNone/>
-              <a:defRPr>
-                <a:solidFill>
-                  <a:schemeClr val="tx1">
-                    <a:tint val="75000"/>
-                  </a:schemeClr>
-                </a:solidFill>
-              </a:defRPr>
-            </a:lvl9pPr>
-          </a:lstStyle>
-          <a:p>
-            <a:r>
-              <a:rPr lang="en-US" smtClean="0"/>
-              <a:t>Click to edit Master subtitle style</a:t>
-            </a:r>
-            <a:endParaRPr lang="en-US" dirty="0"/>
-          </a:p>
-        </p:txBody>
-      </p:sp>
-      <p:sp>
-        <p:nvSpPr>
-          <p:cNvPr id="4" name="Date Placeholder 3"/>
-          <p:cNvSpPr>
-            <a:spLocks noGrp="1"/>
-          </p:cNvSpPr>
-          <p:nvPr>
-            <p:ph type="dt" sz="half" idx="10"/>
-          </p:nvPr>
-        </p:nvSpPr>
-        <p:spPr/>
-        <p:txBody>
-          <a:bodyPr/>
-          <a:lstStyle/>
-          <a:p>
-            <a:fld id="{8E437C44-02A8-4CB1-8483-7F9DFD9CA9D4}" type="datetimeFigureOut">
-              <a:rPr lang="en-GB" smtClean="0"/>
-              <a:t>04/02/2015</a:t>
-            </a:fld>
-            <a:endParaRPr lang="en-GB"/>
-          </a:p>
-        </p:txBody>
-      </p:sp>
-      <p:sp>
-        <p:nvSpPr>
-          <p:cNvPr id="5" name="Footer Placeholder 4"/>
-          <p:cNvSpPr>
-            <a:spLocks noGrp="1"/>
-          </p:cNvSpPr>
-          <p:nvPr>
-            <p:ph type="ftr" sz="quarter" idx="11"/>
-          </p:nvPr>
-        </p:nvSpPr>
-        <p:spPr/>
-        <p:txBody>
-          <a:bodyPr/>
-          <a:lstStyle/>
-          <a:p>
-            <a:endParaRPr lang="en-GB"/>
-          </a:p>
-        </p:txBody>
-      </p:sp>
-      <p:sp>
-        <p:nvSpPr>
-          <p:cNvPr id="6" name="Slide Number Placeholder 5"/>
-          <p:cNvSpPr>
-            <a:spLocks noGrp="1"/>
-          </p:cNvSpPr>
-          <p:nvPr>
-            <p:ph type="sldNum" sz="quarter" idx="12"/>
-          </p:nvPr>
-        </p:nvSpPr>
-        <p:spPr/>
-        <p:txBody>
-          <a:bodyPr/>
-          <a:lstStyle/>
-          <a:p>
-            <a:fld id="{DC682E38-3E8E-4D7E-9667-F6BCFB5B88D0}" type="slidenum">
-              <a:rPr lang="en-GB" smtClean="0"/>
-              <a:t>‹#›</a:t>
-            </a:fld>
-            <a:endParaRPr lang="en-GB"/>
-          </a:p>
-        </p:txBody>
-      </p:sp>
       <p:cxnSp>
         <p:nvCxnSpPr>
-          <p:cNvPr id="16" name="Straight Connector 15"/>
+          <p:cNvPr id="4" name="Straight Connector 15"/>
           <p:cNvCxnSpPr/>
           <p:nvPr/>
         </p:nvCxnSpPr>
         <p:spPr>
           <a:xfrm flipH="1">
-            <a:off x="8228012" y="8467"/>
+            <a:off x="8228013" y="7938"/>
             <a:ext cx="3810000" cy="3810000"/>
           </a:xfrm>
           <a:prstGeom prst="line">
@@ -391,14 +873,14 @@
       </p:cxnSp>
       <p:cxnSp>
         <p:nvCxnSpPr>
-          <p:cNvPr id="17" name="Straight Connector 16"/>
+          <p:cNvPr id="5" name="Straight Connector 16"/>
           <p:cNvCxnSpPr/>
           <p:nvPr/>
         </p:nvCxnSpPr>
         <p:spPr>
           <a:xfrm flipH="1">
-            <a:off x="6108170" y="91545"/>
-            <a:ext cx="6080655" cy="6080655"/>
+            <a:off x="6108700" y="92075"/>
+            <a:ext cx="6080125" cy="6080125"/>
           </a:xfrm>
           <a:prstGeom prst="line">
             <a:avLst/>
@@ -426,7 +908,7 @@
       </p:cxnSp>
       <p:cxnSp>
         <p:nvCxnSpPr>
-          <p:cNvPr id="19" name="Straight Connector 18"/>
+          <p:cNvPr id="6" name="Straight Connector 18"/>
           <p:cNvCxnSpPr/>
           <p:nvPr/>
         </p:nvCxnSpPr>
@@ -461,14 +943,14 @@
       </p:cxnSp>
       <p:cxnSp>
         <p:nvCxnSpPr>
-          <p:cNvPr id="21" name="Straight Connector 20"/>
+          <p:cNvPr id="7" name="Straight Connector 20"/>
           <p:cNvCxnSpPr/>
           <p:nvPr/>
         </p:nvCxnSpPr>
         <p:spPr>
           <a:xfrm flipH="1">
-            <a:off x="7335837" y="32278"/>
-            <a:ext cx="4852989" cy="4852989"/>
+            <a:off x="7335838" y="31750"/>
+            <a:ext cx="4852987" cy="4852988"/>
           </a:xfrm>
           <a:prstGeom prst="line">
             <a:avLst/>
@@ -496,14 +978,14 @@
       </p:cxnSp>
       <p:cxnSp>
         <p:nvCxnSpPr>
-          <p:cNvPr id="23" name="Straight Connector 22"/>
+          <p:cNvPr id="8" name="Straight Connector 22"/>
           <p:cNvCxnSpPr/>
           <p:nvPr/>
         </p:nvCxnSpPr>
         <p:spPr>
           <a:xfrm flipH="1">
-            <a:off x="7845426" y="609601"/>
-            <a:ext cx="4343399" cy="4343399"/>
+            <a:off x="7845425" y="609600"/>
+            <a:ext cx="4343400" cy="4343400"/>
           </a:xfrm>
           <a:prstGeom prst="line">
             <a:avLst/>
@@ -529,12 +1011,254 @@
           </a:fontRef>
         </p:style>
       </p:cxnSp>
+      <p:sp>
+        <p:nvSpPr>
+          <p:cNvPr id="2" name="Title 1"/>
+          <p:cNvSpPr>
+            <a:spLocks noGrp="1"/>
+          </p:cNvSpPr>
+          <p:nvPr>
+            <p:ph type="ctrTitle"/>
+          </p:nvPr>
+        </p:nvSpPr>
+        <p:spPr>
+          <a:xfrm>
+            <a:off x="684212" y="685799"/>
+            <a:ext cx="8001000" cy="2971801"/>
+          </a:xfrm>
+        </p:spPr>
+        <p:txBody>
+          <a:bodyPr anchor="b"/>
+          <a:lstStyle>
+            <a:lvl1pPr algn="l">
+              <a:defRPr sz="4800">
+                <a:effectLst/>
+              </a:defRPr>
+            </a:lvl1pPr>
+          </a:lstStyle>
+          <a:p>
+            <a:r>
+              <a:rPr lang="en-US" smtClean="0"/>
+              <a:t>Click to edit Master title style</a:t>
+            </a:r>
+            <a:endParaRPr lang="en-US" dirty="0"/>
+          </a:p>
+        </p:txBody>
+      </p:sp>
+      <p:sp>
+        <p:nvSpPr>
+          <p:cNvPr id="3" name="Subtitle 2"/>
+          <p:cNvSpPr>
+            <a:spLocks noGrp="1"/>
+          </p:cNvSpPr>
+          <p:nvPr>
+            <p:ph type="subTitle" idx="1"/>
+          </p:nvPr>
+        </p:nvSpPr>
+        <p:spPr>
+          <a:xfrm>
+            <a:off x="684212" y="3843867"/>
+            <a:ext cx="6400800" cy="1947333"/>
+          </a:xfrm>
+        </p:spPr>
+        <p:txBody>
+          <a:bodyPr anchor="t">
+            <a:normAutofit/>
+          </a:bodyPr>
+          <a:lstStyle>
+            <a:lvl1pPr marL="0" indent="0" algn="l">
+              <a:buNone/>
+              <a:defRPr sz="2100">
+                <a:solidFill>
+                  <a:schemeClr val="bg2">
+                    <a:lumMod val="75000"/>
+                  </a:schemeClr>
+                </a:solidFill>
+              </a:defRPr>
+            </a:lvl1pPr>
+            <a:lvl2pPr marL="457200" indent="0" algn="ctr">
+              <a:buNone/>
+              <a:defRPr>
+                <a:solidFill>
+                  <a:schemeClr val="tx1">
+                    <a:tint val="75000"/>
+                  </a:schemeClr>
+                </a:solidFill>
+              </a:defRPr>
+            </a:lvl2pPr>
+            <a:lvl3pPr marL="914400" indent="0" algn="ctr">
+              <a:buNone/>
+              <a:defRPr>
+                <a:solidFill>
+                  <a:schemeClr val="tx1">
+                    <a:tint val="75000"/>
+                  </a:schemeClr>
+                </a:solidFill>
+              </a:defRPr>
+            </a:lvl3pPr>
+            <a:lvl4pPr marL="1371600" indent="0" algn="ctr">
+              <a:buNone/>
+              <a:defRPr>
+                <a:solidFill>
+                  <a:schemeClr val="tx1">
+                    <a:tint val="75000"/>
+                  </a:schemeClr>
+                </a:solidFill>
+              </a:defRPr>
+            </a:lvl4pPr>
+            <a:lvl5pPr marL="1828800" indent="0" algn="ctr">
+              <a:buNone/>
+              <a:defRPr>
+                <a:solidFill>
+                  <a:schemeClr val="tx1">
+                    <a:tint val="75000"/>
+                  </a:schemeClr>
+                </a:solidFill>
+              </a:defRPr>
+            </a:lvl5pPr>
+            <a:lvl6pPr marL="2286000" indent="0" algn="ctr">
+              <a:buNone/>
+              <a:defRPr>
+                <a:solidFill>
+                  <a:schemeClr val="tx1">
+                    <a:tint val="75000"/>
+                  </a:schemeClr>
+                </a:solidFill>
+              </a:defRPr>
+            </a:lvl6pPr>
+            <a:lvl7pPr marL="2743200" indent="0" algn="ctr">
+              <a:buNone/>
+              <a:defRPr>
+                <a:solidFill>
+                  <a:schemeClr val="tx1">
+                    <a:tint val="75000"/>
+                  </a:schemeClr>
+                </a:solidFill>
+              </a:defRPr>
+            </a:lvl7pPr>
+            <a:lvl8pPr marL="3200400" indent="0" algn="ctr">
+              <a:buNone/>
+              <a:defRPr>
+                <a:solidFill>
+                  <a:schemeClr val="tx1">
+                    <a:tint val="75000"/>
+                  </a:schemeClr>
+                </a:solidFill>
+              </a:defRPr>
+            </a:lvl8pPr>
+            <a:lvl9pPr marL="3657600" indent="0" algn="ctr">
+              <a:buNone/>
+              <a:defRPr>
+                <a:solidFill>
+                  <a:schemeClr val="tx1">
+                    <a:tint val="75000"/>
+                  </a:schemeClr>
+                </a:solidFill>
+              </a:defRPr>
+            </a:lvl9pPr>
+          </a:lstStyle>
+          <a:p>
+            <a:r>
+              <a:rPr lang="en-US" smtClean="0"/>
+              <a:t>Click to edit Master subtitle style</a:t>
+            </a:r>
+            <a:endParaRPr lang="en-US" dirty="0"/>
+          </a:p>
+        </p:txBody>
+      </p:sp>
+      <p:sp>
+        <p:nvSpPr>
+          <p:cNvPr id="9" name="Date Placeholder 3"/>
+          <p:cNvSpPr>
+            <a:spLocks noGrp="1"/>
+          </p:cNvSpPr>
+          <p:nvPr>
+            <p:ph type="dt" sz="half" idx="10"/>
+          </p:nvPr>
+        </p:nvSpPr>
+        <p:spPr/>
+        <p:txBody>
+          <a:bodyPr/>
+          <a:lstStyle>
+            <a:lvl1pPr>
+              <a:defRPr/>
+            </a:lvl1pPr>
+          </a:lstStyle>
+          <a:p>
+            <a:pPr>
+              <a:defRPr/>
+            </a:pPr>
+            <a:fld id="{EBE8496E-5D41-484A-AE6C-82AF6F01000C}" type="datetimeFigureOut">
+              <a:rPr lang="en-GB"/>
+              <a:pPr>
+                <a:defRPr/>
+              </a:pPr>
+              <a:t>04/02/2015</a:t>
+            </a:fld>
+            <a:endParaRPr lang="en-GB"/>
+          </a:p>
+        </p:txBody>
+      </p:sp>
+      <p:sp>
+        <p:nvSpPr>
+          <p:cNvPr id="10" name="Footer Placeholder 4"/>
+          <p:cNvSpPr>
+            <a:spLocks noGrp="1"/>
+          </p:cNvSpPr>
+          <p:nvPr>
+            <p:ph type="ftr" sz="quarter" idx="11"/>
+          </p:nvPr>
+        </p:nvSpPr>
+        <p:spPr/>
+        <p:txBody>
+          <a:bodyPr/>
+          <a:lstStyle>
+            <a:lvl1pPr>
+              <a:defRPr/>
+            </a:lvl1pPr>
+          </a:lstStyle>
+          <a:p>
+            <a:pPr>
+              <a:defRPr/>
+            </a:pPr>
+            <a:endParaRPr lang="en-GB"/>
+          </a:p>
+        </p:txBody>
+      </p:sp>
+      <p:sp>
+        <p:nvSpPr>
+          <p:cNvPr id="11" name="Slide Number Placeholder 5"/>
+          <p:cNvSpPr>
+            <a:spLocks noGrp="1"/>
+          </p:cNvSpPr>
+          <p:nvPr>
+            <p:ph type="sldNum" sz="quarter" idx="12"/>
+          </p:nvPr>
+        </p:nvSpPr>
+        <p:spPr/>
+        <p:txBody>
+          <a:bodyPr/>
+          <a:lstStyle>
+            <a:lvl1pPr>
+              <a:defRPr/>
+            </a:lvl1pPr>
+          </a:lstStyle>
+          <a:p>
+            <a:pPr>
+              <a:defRPr/>
+            </a:pPr>
+            <a:fld id="{73B9CCB7-1B70-46B7-B0B3-286519C31EF3}" type="slidenum">
+              <a:rPr lang="en-GB"/>
+              <a:pPr>
+                <a:defRPr/>
+              </a:pPr>
+              <a:t>‹#›</a:t>
+            </a:fld>
+            <a:endParaRPr lang="en-GB"/>
+          </a:p>
+        </p:txBody>
+      </p:sp>
     </p:spTree>
-    <p:extLst>
-      <p:ext uri="{BB962C8B-B14F-4D97-AF65-F5344CB8AC3E}">
-        <p14:creationId xmlns:p14="http://schemas.microsoft.com/office/powerpoint/2010/main" val="1363365679"/>
-      </p:ext>
-    </p:extLst>
   </p:cSld>
   <p:clrMapOvr>
     <a:masterClrMapping/>
@@ -619,7 +1343,7 @@
           </a:effectLst>
         </p:spPr>
         <p:txBody>
-          <a:bodyPr anchor="t">
+          <a:bodyPr rtlCol="0" anchor="t">
             <a:normAutofit/>
           </a:bodyPr>
           <a:lstStyle>
@@ -661,11 +1385,12 @@
             </a:lvl9pPr>
           </a:lstStyle>
           <a:p>
-            <a:r>
-              <a:rPr lang="en-US" smtClean="0"/>
+            <a:pPr lvl="0"/>
+            <a:r>
+              <a:rPr lang="en-US" noProof="0" smtClean="0"/>
               <a:t>Click icon to add picture</a:t>
             </a:r>
-            <a:endParaRPr lang="en-US" dirty="0"/>
+            <a:endParaRPr lang="en-US" noProof="0" dirty="0"/>
           </a:p>
         </p:txBody>
       </p:sp>
@@ -727,21 +1452,31 @@
       </p:sp>
       <p:sp>
         <p:nvSpPr>
-          <p:cNvPr id="3" name="Date Placeholder 2"/>
-          <p:cNvSpPr>
-            <a:spLocks noGrp="1"/>
-          </p:cNvSpPr>
-          <p:nvPr>
-            <p:ph type="dt" sz="half" idx="10"/>
+          <p:cNvPr id="5" name="Date Placeholder 2"/>
+          <p:cNvSpPr>
+            <a:spLocks noGrp="1"/>
+          </p:cNvSpPr>
+          <p:nvPr>
+            <p:ph type="dt" sz="half" idx="15"/>
           </p:nvPr>
         </p:nvSpPr>
         <p:spPr/>
         <p:txBody>
           <a:bodyPr/>
-          <a:lstStyle/>
-          <a:p>
-            <a:fld id="{8E437C44-02A8-4CB1-8483-7F9DFD9CA9D4}" type="datetimeFigureOut">
-              <a:rPr lang="en-GB" smtClean="0"/>
+          <a:lstStyle>
+            <a:lvl1pPr>
+              <a:defRPr/>
+            </a:lvl1pPr>
+          </a:lstStyle>
+          <a:p>
+            <a:pPr>
+              <a:defRPr/>
+            </a:pPr>
+            <a:fld id="{391E9D2B-77F7-4C20-9C26-EAE981FCA8D2}" type="datetimeFigureOut">
+              <a:rPr lang="en-GB"/>
+              <a:pPr>
+                <a:defRPr/>
+              </a:pPr>
               <a:t>04/02/2015</a:t>
             </a:fld>
             <a:endParaRPr lang="en-GB"/>
@@ -750,40 +1485,57 @@
       </p:sp>
       <p:sp>
         <p:nvSpPr>
-          <p:cNvPr id="4" name="Footer Placeholder 3"/>
-          <p:cNvSpPr>
-            <a:spLocks noGrp="1"/>
-          </p:cNvSpPr>
-          <p:nvPr>
-            <p:ph type="ftr" sz="quarter" idx="11"/>
+          <p:cNvPr id="6" name="Footer Placeholder 3"/>
+          <p:cNvSpPr>
+            <a:spLocks noGrp="1"/>
+          </p:cNvSpPr>
+          <p:nvPr>
+            <p:ph type="ftr" sz="quarter" idx="16"/>
           </p:nvPr>
         </p:nvSpPr>
         <p:spPr/>
         <p:txBody>
           <a:bodyPr/>
-          <a:lstStyle/>
-          <a:p>
+          <a:lstStyle>
+            <a:lvl1pPr>
+              <a:defRPr/>
+            </a:lvl1pPr>
+          </a:lstStyle>
+          <a:p>
+            <a:pPr>
+              <a:defRPr/>
+            </a:pPr>
             <a:endParaRPr lang="en-GB"/>
           </a:p>
         </p:txBody>
       </p:sp>
       <p:sp>
         <p:nvSpPr>
-          <p:cNvPr id="5" name="Slide Number Placeholder 4"/>
-          <p:cNvSpPr>
-            <a:spLocks noGrp="1"/>
-          </p:cNvSpPr>
-          <p:nvPr>
-            <p:ph type="sldNum" sz="quarter" idx="12"/>
+          <p:cNvPr id="7" name="Slide Number Placeholder 4"/>
+          <p:cNvSpPr>
+            <a:spLocks noGrp="1"/>
+          </p:cNvSpPr>
+          <p:nvPr>
+            <p:ph type="sldNum" sz="quarter" idx="17"/>
           </p:nvPr>
         </p:nvSpPr>
         <p:spPr/>
         <p:txBody>
           <a:bodyPr/>
-          <a:lstStyle/>
-          <a:p>
-            <a:fld id="{DC682E38-3E8E-4D7E-9667-F6BCFB5B88D0}" type="slidenum">
-              <a:rPr lang="en-GB" smtClean="0"/>
+          <a:lstStyle>
+            <a:lvl1pPr>
+              <a:defRPr/>
+            </a:lvl1pPr>
+          </a:lstStyle>
+          <a:p>
+            <a:pPr>
+              <a:defRPr/>
+            </a:pPr>
+            <a:fld id="{54A2BE13-06BF-424C-91EF-18349BD82F7C}" type="slidenum">
+              <a:rPr lang="en-GB"/>
+              <a:pPr>
+                <a:defRPr/>
+              </a:pPr>
               <a:t>‹#›</a:t>
             </a:fld>
             <a:endParaRPr lang="en-GB"/>
@@ -791,11 +1543,6 @@
         </p:txBody>
       </p:sp>
     </p:spTree>
-    <p:extLst>
-      <p:ext uri="{BB962C8B-B14F-4D97-AF65-F5344CB8AC3E}">
-        <p14:creationId xmlns:p14="http://schemas.microsoft.com/office/powerpoint/2010/main" val="514753736"/>
-      </p:ext>
-    </p:extLst>
   </p:cSld>
   <p:clrMapOvr>
     <a:masterClrMapping/>
@@ -837,9 +1584,7 @@
           </a:xfrm>
         </p:spPr>
         <p:txBody>
-          <a:bodyPr anchor="ctr">
-            <a:normAutofit/>
-          </a:bodyPr>
+          <a:bodyPr/>
           <a:lstStyle>
             <a:lvl1pPr algn="l">
               <a:defRPr sz="3200" b="0" cap="all"/>
@@ -871,7 +1616,7 @@
           </a:xfrm>
         </p:spPr>
         <p:txBody>
-          <a:bodyPr anchor="ctr">
+          <a:bodyPr>
             <a:normAutofit/>
           </a:bodyPr>
           <a:lstStyle>
@@ -988,10 +1733,20 @@
         <p:spPr/>
         <p:txBody>
           <a:bodyPr/>
-          <a:lstStyle/>
-          <a:p>
-            <a:fld id="{8E437C44-02A8-4CB1-8483-7F9DFD9CA9D4}" type="datetimeFigureOut">
-              <a:rPr lang="en-GB" smtClean="0"/>
+          <a:lstStyle>
+            <a:lvl1pPr>
+              <a:defRPr/>
+            </a:lvl1pPr>
+          </a:lstStyle>
+          <a:p>
+            <a:pPr>
+              <a:defRPr/>
+            </a:pPr>
+            <a:fld id="{0E167D02-69CD-4349-A8D7-AEB5D562CDDD}" type="datetimeFigureOut">
+              <a:rPr lang="en-GB"/>
+              <a:pPr>
+                <a:defRPr/>
+              </a:pPr>
               <a:t>04/02/2015</a:t>
             </a:fld>
             <a:endParaRPr lang="en-GB"/>
@@ -1011,8 +1766,15 @@
         <p:spPr/>
         <p:txBody>
           <a:bodyPr/>
-          <a:lstStyle/>
-          <a:p>
+          <a:lstStyle>
+            <a:lvl1pPr>
+              <a:defRPr/>
+            </a:lvl1pPr>
+          </a:lstStyle>
+          <a:p>
+            <a:pPr>
+              <a:defRPr/>
+            </a:pPr>
             <a:endParaRPr lang="en-GB"/>
           </a:p>
         </p:txBody>
@@ -1030,10 +1792,20 @@
         <p:spPr/>
         <p:txBody>
           <a:bodyPr/>
-          <a:lstStyle/>
-          <a:p>
-            <a:fld id="{DC682E38-3E8E-4D7E-9667-F6BCFB5B88D0}" type="slidenum">
-              <a:rPr lang="en-GB" smtClean="0"/>
+          <a:lstStyle>
+            <a:lvl1pPr>
+              <a:defRPr/>
+            </a:lvl1pPr>
+          </a:lstStyle>
+          <a:p>
+            <a:pPr>
+              <a:defRPr/>
+            </a:pPr>
+            <a:fld id="{3B968704-4DFD-4485-BD9D-9691234A3548}" type="slidenum">
+              <a:rPr lang="en-GB"/>
+              <a:pPr>
+                <a:defRPr/>
+              </a:pPr>
               <a:t>‹#›</a:t>
             </a:fld>
             <a:endParaRPr lang="en-GB"/>
@@ -1041,11 +1813,6 @@
         </p:txBody>
       </p:sp>
     </p:spTree>
-    <p:extLst>
-      <p:ext uri="{BB962C8B-B14F-4D97-AF65-F5344CB8AC3E}">
-        <p14:creationId xmlns:p14="http://schemas.microsoft.com/office/powerpoint/2010/main" val="185237405"/>
-      </p:ext>
-    </p:extLst>
   </p:cSld>
   <p:clrMapOvr>
     <a:masterClrMapping/>
@@ -1072,6 +1839,82 @@
       </p:grpSpPr>
       <p:sp>
         <p:nvSpPr>
+          <p:cNvPr id="5" name="TextBox 13"/>
+          <p:cNvSpPr txBox="1"/>
+          <p:nvPr/>
+        </p:nvSpPr>
+        <p:spPr>
+          <a:xfrm>
+            <a:off x="531813" y="812800"/>
+            <a:ext cx="609600" cy="584200"/>
+          </a:xfrm>
+          <a:prstGeom prst="rect">
+            <a:avLst/>
+          </a:prstGeom>
+        </p:spPr>
+        <p:txBody>
+          <a:bodyPr anchor="ctr"/>
+          <a:lstStyle/>
+          <a:p>
+            <a:pPr fontAlgn="auto">
+              <a:spcBef>
+                <a:spcPts val="0"/>
+              </a:spcBef>
+              <a:spcAft>
+                <a:spcPts val="0"/>
+              </a:spcAft>
+              <a:defRPr/>
+            </a:pPr>
+            <a:r>
+              <a:rPr lang="en-US" sz="8000" dirty="0">
+                <a:latin typeface="+mn-lt"/>
+                <a:cs typeface="+mn-cs"/>
+              </a:rPr>
+              <a:t>“</a:t>
+            </a:r>
+          </a:p>
+        </p:txBody>
+      </p:sp>
+      <p:sp>
+        <p:nvSpPr>
+          <p:cNvPr id="6" name="TextBox 14"/>
+          <p:cNvSpPr txBox="1"/>
+          <p:nvPr/>
+        </p:nvSpPr>
+        <p:spPr>
+          <a:xfrm>
+            <a:off x="10285413" y="2768600"/>
+            <a:ext cx="609600" cy="584200"/>
+          </a:xfrm>
+          <a:prstGeom prst="rect">
+            <a:avLst/>
+          </a:prstGeom>
+        </p:spPr>
+        <p:txBody>
+          <a:bodyPr anchor="ctr"/>
+          <a:lstStyle/>
+          <a:p>
+            <a:pPr algn="r" fontAlgn="auto">
+              <a:spcBef>
+                <a:spcPts val="0"/>
+              </a:spcBef>
+              <a:spcAft>
+                <a:spcPts val="0"/>
+              </a:spcAft>
+              <a:defRPr/>
+            </a:pPr>
+            <a:r>
+              <a:rPr lang="en-US" sz="8000" dirty="0">
+                <a:latin typeface="+mn-lt"/>
+                <a:cs typeface="+mn-cs"/>
+              </a:rPr>
+              <a:t>”</a:t>
+            </a:r>
+          </a:p>
+        </p:txBody>
+      </p:sp>
+      <p:sp>
+        <p:nvSpPr>
           <p:cNvPr id="2" name="Title 1"/>
           <p:cNvSpPr>
             <a:spLocks noGrp="1"/>
@@ -1087,9 +1930,7 @@
           </a:xfrm>
         </p:spPr>
         <p:txBody>
-          <a:bodyPr anchor="ctr">
-            <a:normAutofit/>
-          </a:bodyPr>
+          <a:bodyPr/>
           <a:lstStyle>
             <a:lvl1pPr algn="l">
               <a:defRPr sz="3200" b="0" cap="all">
@@ -1125,7 +1966,7 @@
           </a:xfrm>
         </p:spPr>
         <p:txBody>
-          <a:bodyPr anchor="ctr"/>
+          <a:bodyPr/>
           <a:lstStyle>
             <a:lvl1pPr marL="0" indent="0">
               <a:buFontTx/>
@@ -1179,7 +2020,7 @@
           </a:xfrm>
         </p:spPr>
         <p:txBody>
-          <a:bodyPr anchor="ctr">
+          <a:bodyPr>
             <a:normAutofit/>
           </a:bodyPr>
           <a:lstStyle>
@@ -1285,21 +2126,31 @@
       </p:sp>
       <p:sp>
         <p:nvSpPr>
-          <p:cNvPr id="4" name="Date Placeholder 3"/>
-          <p:cNvSpPr>
-            <a:spLocks noGrp="1"/>
-          </p:cNvSpPr>
-          <p:nvPr>
-            <p:ph type="dt" sz="half" idx="10"/>
+          <p:cNvPr id="7" name="Date Placeholder 3"/>
+          <p:cNvSpPr>
+            <a:spLocks noGrp="1"/>
+          </p:cNvSpPr>
+          <p:nvPr>
+            <p:ph type="dt" sz="half" idx="14"/>
           </p:nvPr>
         </p:nvSpPr>
         <p:spPr/>
         <p:txBody>
           <a:bodyPr/>
-          <a:lstStyle/>
-          <a:p>
-            <a:fld id="{8E437C44-02A8-4CB1-8483-7F9DFD9CA9D4}" type="datetimeFigureOut">
-              <a:rPr lang="en-GB" smtClean="0"/>
+          <a:lstStyle>
+            <a:lvl1pPr>
+              <a:defRPr/>
+            </a:lvl1pPr>
+          </a:lstStyle>
+          <a:p>
+            <a:pPr>
+              <a:defRPr/>
+            </a:pPr>
+            <a:fld id="{D4D3A534-8E11-426C-BA3A-4B8478A50AF0}" type="datetimeFigureOut">
+              <a:rPr lang="en-GB"/>
+              <a:pPr>
+                <a:defRPr/>
+              </a:pPr>
               <a:t>04/02/2015</a:t>
             </a:fld>
             <a:endParaRPr lang="en-GB"/>
@@ -1308,120 +2159,64 @@
       </p:sp>
       <p:sp>
         <p:nvSpPr>
-          <p:cNvPr id="5" name="Footer Placeholder 4"/>
-          <p:cNvSpPr>
-            <a:spLocks noGrp="1"/>
-          </p:cNvSpPr>
-          <p:nvPr>
-            <p:ph type="ftr" sz="quarter" idx="11"/>
+          <p:cNvPr id="8" name="Footer Placeholder 4"/>
+          <p:cNvSpPr>
+            <a:spLocks noGrp="1"/>
+          </p:cNvSpPr>
+          <p:nvPr>
+            <p:ph type="ftr" sz="quarter" idx="15"/>
           </p:nvPr>
         </p:nvSpPr>
         <p:spPr/>
         <p:txBody>
           <a:bodyPr/>
-          <a:lstStyle/>
-          <a:p>
+          <a:lstStyle>
+            <a:lvl1pPr>
+              <a:defRPr/>
+            </a:lvl1pPr>
+          </a:lstStyle>
+          <a:p>
+            <a:pPr>
+              <a:defRPr/>
+            </a:pPr>
             <a:endParaRPr lang="en-GB"/>
           </a:p>
         </p:txBody>
       </p:sp>
       <p:sp>
         <p:nvSpPr>
-          <p:cNvPr id="6" name="Slide Number Placeholder 5"/>
-          <p:cNvSpPr>
-            <a:spLocks noGrp="1"/>
-          </p:cNvSpPr>
-          <p:nvPr>
-            <p:ph type="sldNum" sz="quarter" idx="12"/>
+          <p:cNvPr id="9" name="Slide Number Placeholder 5"/>
+          <p:cNvSpPr>
+            <a:spLocks noGrp="1"/>
+          </p:cNvSpPr>
+          <p:nvPr>
+            <p:ph type="sldNum" sz="quarter" idx="16"/>
           </p:nvPr>
         </p:nvSpPr>
         <p:spPr/>
         <p:txBody>
           <a:bodyPr/>
-          <a:lstStyle/>
-          <a:p>
-            <a:fld id="{DC682E38-3E8E-4D7E-9667-F6BCFB5B88D0}" type="slidenum">
-              <a:rPr lang="en-GB" smtClean="0"/>
+          <a:lstStyle>
+            <a:lvl1pPr>
+              <a:defRPr/>
+            </a:lvl1pPr>
+          </a:lstStyle>
+          <a:p>
+            <a:pPr>
+              <a:defRPr/>
+            </a:pPr>
+            <a:fld id="{766F72C2-0D52-497D-AC8F-0FEC3B4B3427}" type="slidenum">
+              <a:rPr lang="en-GB"/>
+              <a:pPr>
+                <a:defRPr/>
+              </a:pPr>
               <a:t>‹#›</a:t>
             </a:fld>
             <a:endParaRPr lang="en-GB"/>
           </a:p>
         </p:txBody>
       </p:sp>
-      <p:sp>
-        <p:nvSpPr>
-          <p:cNvPr id="14" name="TextBox 13"/>
-          <p:cNvSpPr txBox="1"/>
-          <p:nvPr/>
-        </p:nvSpPr>
-        <p:spPr>
-          <a:xfrm>
-            <a:off x="531812" y="812222"/>
-            <a:ext cx="609600" cy="584776"/>
-          </a:xfrm>
-          <a:prstGeom prst="rect">
-            <a:avLst/>
-          </a:prstGeom>
-        </p:spPr>
-        <p:txBody>
-          <a:bodyPr vert="horz" lIns="91440" tIns="45720" rIns="91440" bIns="45720" rtlCol="0" anchor="ctr">
-            <a:noAutofit/>
-          </a:bodyPr>
-          <a:lstStyle/>
-          <a:p>
-            <a:pPr lvl="0"/>
-            <a:r>
-              <a:rPr lang="en-US" sz="8000" dirty="0">
-                <a:solidFill>
-                  <a:schemeClr val="tx1"/>
-                </a:solidFill>
-                <a:effectLst/>
-              </a:rPr>
-              <a:t>“</a:t>
-            </a:r>
-          </a:p>
-        </p:txBody>
-      </p:sp>
-      <p:sp>
-        <p:nvSpPr>
-          <p:cNvPr id="15" name="TextBox 14"/>
-          <p:cNvSpPr txBox="1"/>
-          <p:nvPr/>
-        </p:nvSpPr>
-        <p:spPr>
-          <a:xfrm>
-            <a:off x="10285412" y="2768601"/>
-            <a:ext cx="609600" cy="584776"/>
-          </a:xfrm>
-          <a:prstGeom prst="rect">
-            <a:avLst/>
-          </a:prstGeom>
-        </p:spPr>
-        <p:txBody>
-          <a:bodyPr vert="horz" lIns="91440" tIns="45720" rIns="91440" bIns="45720" rtlCol="0" anchor="ctr">
-            <a:noAutofit/>
-          </a:bodyPr>
-          <a:lstStyle/>
-          <a:p>
-            <a:pPr lvl="0" algn="r"/>
-            <a:r>
-              <a:rPr lang="en-US" sz="8000" dirty="0">
-                <a:solidFill>
-                  <a:schemeClr val="tx1"/>
-                </a:solidFill>
-                <a:effectLst/>
-              </a:rPr>
-              <a:t>”</a:t>
-            </a:r>
-          </a:p>
-        </p:txBody>
-      </p:sp>
     </p:spTree>
-    <p:extLst>
-      <p:ext uri="{BB962C8B-B14F-4D97-AF65-F5344CB8AC3E}">
-        <p14:creationId xmlns:p14="http://schemas.microsoft.com/office/powerpoint/2010/main" val="3178369716"/>
-      </p:ext>
-    </p:extLst>
   </p:cSld>
   <p:clrMapOvr>
     <a:masterClrMapping/>
@@ -1463,9 +2258,7 @@
           </a:xfrm>
         </p:spPr>
         <p:txBody>
-          <a:bodyPr anchor="b">
-            <a:normAutofit/>
-          </a:bodyPr>
+          <a:bodyPr anchor="b"/>
           <a:lstStyle>
             <a:lvl1pPr algn="l">
               <a:defRPr sz="3200" b="0" cap="all"/>
@@ -1614,10 +2407,20 @@
         <p:spPr/>
         <p:txBody>
           <a:bodyPr/>
-          <a:lstStyle/>
-          <a:p>
-            <a:fld id="{8E437C44-02A8-4CB1-8483-7F9DFD9CA9D4}" type="datetimeFigureOut">
-              <a:rPr lang="en-GB" smtClean="0"/>
+          <a:lstStyle>
+            <a:lvl1pPr>
+              <a:defRPr/>
+            </a:lvl1pPr>
+          </a:lstStyle>
+          <a:p>
+            <a:pPr>
+              <a:defRPr/>
+            </a:pPr>
+            <a:fld id="{2D90E465-3EC4-4975-AC7B-53F75664248C}" type="datetimeFigureOut">
+              <a:rPr lang="en-GB"/>
+              <a:pPr>
+                <a:defRPr/>
+              </a:pPr>
               <a:t>04/02/2015</a:t>
             </a:fld>
             <a:endParaRPr lang="en-GB"/>
@@ -1637,8 +2440,15 @@
         <p:spPr/>
         <p:txBody>
           <a:bodyPr/>
-          <a:lstStyle/>
-          <a:p>
+          <a:lstStyle>
+            <a:lvl1pPr>
+              <a:defRPr/>
+            </a:lvl1pPr>
+          </a:lstStyle>
+          <a:p>
+            <a:pPr>
+              <a:defRPr/>
+            </a:pPr>
             <a:endParaRPr lang="en-GB"/>
           </a:p>
         </p:txBody>
@@ -1656,10 +2466,20 @@
         <p:spPr/>
         <p:txBody>
           <a:bodyPr/>
-          <a:lstStyle/>
-          <a:p>
-            <a:fld id="{DC682E38-3E8E-4D7E-9667-F6BCFB5B88D0}" type="slidenum">
-              <a:rPr lang="en-GB" smtClean="0"/>
+          <a:lstStyle>
+            <a:lvl1pPr>
+              <a:defRPr/>
+            </a:lvl1pPr>
+          </a:lstStyle>
+          <a:p>
+            <a:pPr>
+              <a:defRPr/>
+            </a:pPr>
+            <a:fld id="{006645CC-F30D-47D6-B17C-E3EC82A4A3E5}" type="slidenum">
+              <a:rPr lang="en-GB"/>
+              <a:pPr>
+                <a:defRPr/>
+              </a:pPr>
               <a:t>‹#›</a:t>
             </a:fld>
             <a:endParaRPr lang="en-GB"/>
@@ -1667,11 +2487,6 @@
         </p:txBody>
       </p:sp>
     </p:spTree>
-    <p:extLst>
-      <p:ext uri="{BB962C8B-B14F-4D97-AF65-F5344CB8AC3E}">
-        <p14:creationId xmlns:p14="http://schemas.microsoft.com/office/powerpoint/2010/main" val="465516980"/>
-      </p:ext>
-    </p:extLst>
   </p:cSld>
   <p:clrMapOvr>
     <a:masterClrMapping/>
@@ -1698,6 +2513,82 @@
       </p:grpSpPr>
       <p:sp>
         <p:nvSpPr>
+          <p:cNvPr id="5" name="TextBox 10"/>
+          <p:cNvSpPr txBox="1"/>
+          <p:nvPr/>
+        </p:nvSpPr>
+        <p:spPr>
+          <a:xfrm>
+            <a:off x="531813" y="812800"/>
+            <a:ext cx="609600" cy="584200"/>
+          </a:xfrm>
+          <a:prstGeom prst="rect">
+            <a:avLst/>
+          </a:prstGeom>
+        </p:spPr>
+        <p:txBody>
+          <a:bodyPr anchor="ctr"/>
+          <a:lstStyle/>
+          <a:p>
+            <a:pPr fontAlgn="auto">
+              <a:spcBef>
+                <a:spcPts val="0"/>
+              </a:spcBef>
+              <a:spcAft>
+                <a:spcPts val="0"/>
+              </a:spcAft>
+              <a:defRPr/>
+            </a:pPr>
+            <a:r>
+              <a:rPr lang="en-US" sz="8000" dirty="0">
+                <a:latin typeface="+mn-lt"/>
+                <a:cs typeface="+mn-cs"/>
+              </a:rPr>
+              <a:t>“</a:t>
+            </a:r>
+          </a:p>
+        </p:txBody>
+      </p:sp>
+      <p:sp>
+        <p:nvSpPr>
+          <p:cNvPr id="6" name="TextBox 11"/>
+          <p:cNvSpPr txBox="1"/>
+          <p:nvPr/>
+        </p:nvSpPr>
+        <p:spPr>
+          <a:xfrm>
+            <a:off x="10285413" y="2768600"/>
+            <a:ext cx="609600" cy="584200"/>
+          </a:xfrm>
+          <a:prstGeom prst="rect">
+            <a:avLst/>
+          </a:prstGeom>
+        </p:spPr>
+        <p:txBody>
+          <a:bodyPr anchor="ctr"/>
+          <a:lstStyle/>
+          <a:p>
+            <a:pPr algn="r" fontAlgn="auto">
+              <a:spcBef>
+                <a:spcPts val="0"/>
+              </a:spcBef>
+              <a:spcAft>
+                <a:spcPts val="0"/>
+              </a:spcAft>
+              <a:defRPr/>
+            </a:pPr>
+            <a:r>
+              <a:rPr lang="en-US" sz="8000" dirty="0">
+                <a:latin typeface="+mn-lt"/>
+                <a:cs typeface="+mn-cs"/>
+              </a:rPr>
+              <a:t>”</a:t>
+            </a:r>
+          </a:p>
+        </p:txBody>
+      </p:sp>
+      <p:sp>
+        <p:nvSpPr>
           <p:cNvPr id="2" name="Title 1"/>
           <p:cNvSpPr>
             <a:spLocks noGrp="1"/>
@@ -1713,9 +2604,7 @@
           </a:xfrm>
         </p:spPr>
         <p:txBody>
-          <a:bodyPr anchor="ctr">
-            <a:normAutofit/>
-          </a:bodyPr>
+          <a:bodyPr/>
           <a:lstStyle>
             <a:lvl1pPr algn="l">
               <a:defRPr sz="3200" b="0" cap="all">
@@ -1751,7 +2640,7 @@
           </a:xfrm>
         </p:spPr>
         <p:txBody>
-          <a:bodyPr vert="horz" lIns="91440" tIns="45720" rIns="91440" bIns="45720" rtlCol="0" anchor="b">
+          <a:bodyPr rtlCol="0" anchor="b">
             <a:normAutofit/>
           </a:bodyPr>
           <a:lstStyle>
@@ -1769,12 +2658,7 @@
             </a:lvl1pPr>
           </a:lstStyle>
           <a:p>
-            <a:pPr marL="0" lvl="0">
-              <a:spcBef>
-                <a:spcPct val="0"/>
-              </a:spcBef>
-              <a:buNone/>
-            </a:pPr>
+            <a:pPr lvl="0"/>
             <a:r>
               <a:rPr lang="en-US" smtClean="0"/>
               <a:t>Click to edit Master text styles</a:t>
@@ -1905,21 +2789,31 @@
       </p:sp>
       <p:sp>
         <p:nvSpPr>
-          <p:cNvPr id="4" name="Date Placeholder 3"/>
-          <p:cNvSpPr>
-            <a:spLocks noGrp="1"/>
-          </p:cNvSpPr>
-          <p:nvPr>
-            <p:ph type="dt" sz="half" idx="10"/>
+          <p:cNvPr id="7" name="Date Placeholder 3"/>
+          <p:cNvSpPr>
+            <a:spLocks noGrp="1"/>
+          </p:cNvSpPr>
+          <p:nvPr>
+            <p:ph type="dt" sz="half" idx="14"/>
           </p:nvPr>
         </p:nvSpPr>
         <p:spPr/>
         <p:txBody>
           <a:bodyPr/>
-          <a:lstStyle/>
-          <a:p>
-            <a:fld id="{8E437C44-02A8-4CB1-8483-7F9DFD9CA9D4}" type="datetimeFigureOut">
-              <a:rPr lang="en-GB" smtClean="0"/>
+          <a:lstStyle>
+            <a:lvl1pPr>
+              <a:defRPr/>
+            </a:lvl1pPr>
+          </a:lstStyle>
+          <a:p>
+            <a:pPr>
+              <a:defRPr/>
+            </a:pPr>
+            <a:fld id="{F0AF2431-374F-40B0-AFB9-F04D5208A144}" type="datetimeFigureOut">
+              <a:rPr lang="en-GB"/>
+              <a:pPr>
+                <a:defRPr/>
+              </a:pPr>
               <a:t>04/02/2015</a:t>
             </a:fld>
             <a:endParaRPr lang="en-GB"/>
@@ -1928,120 +2822,64 @@
       </p:sp>
       <p:sp>
         <p:nvSpPr>
-          <p:cNvPr id="5" name="Footer Placeholder 4"/>
-          <p:cNvSpPr>
-            <a:spLocks noGrp="1"/>
-          </p:cNvSpPr>
-          <p:nvPr>
-            <p:ph type="ftr" sz="quarter" idx="11"/>
+          <p:cNvPr id="8" name="Footer Placeholder 4"/>
+          <p:cNvSpPr>
+            <a:spLocks noGrp="1"/>
+          </p:cNvSpPr>
+          <p:nvPr>
+            <p:ph type="ftr" sz="quarter" idx="15"/>
           </p:nvPr>
         </p:nvSpPr>
         <p:spPr/>
         <p:txBody>
           <a:bodyPr/>
-          <a:lstStyle/>
-          <a:p>
+          <a:lstStyle>
+            <a:lvl1pPr>
+              <a:defRPr/>
+            </a:lvl1pPr>
+          </a:lstStyle>
+          <a:p>
+            <a:pPr>
+              <a:defRPr/>
+            </a:pPr>
             <a:endParaRPr lang="en-GB"/>
           </a:p>
         </p:txBody>
       </p:sp>
       <p:sp>
         <p:nvSpPr>
-          <p:cNvPr id="6" name="Slide Number Placeholder 5"/>
-          <p:cNvSpPr>
-            <a:spLocks noGrp="1"/>
-          </p:cNvSpPr>
-          <p:nvPr>
-            <p:ph type="sldNum" sz="quarter" idx="12"/>
+          <p:cNvPr id="9" name="Slide Number Placeholder 5"/>
+          <p:cNvSpPr>
+            <a:spLocks noGrp="1"/>
+          </p:cNvSpPr>
+          <p:nvPr>
+            <p:ph type="sldNum" sz="quarter" idx="16"/>
           </p:nvPr>
         </p:nvSpPr>
         <p:spPr/>
         <p:txBody>
           <a:bodyPr/>
-          <a:lstStyle/>
-          <a:p>
-            <a:fld id="{DC682E38-3E8E-4D7E-9667-F6BCFB5B88D0}" type="slidenum">
-              <a:rPr lang="en-GB" smtClean="0"/>
+          <a:lstStyle>
+            <a:lvl1pPr>
+              <a:defRPr/>
+            </a:lvl1pPr>
+          </a:lstStyle>
+          <a:p>
+            <a:pPr>
+              <a:defRPr/>
+            </a:pPr>
+            <a:fld id="{6462016D-9971-4967-905A-7D5FC6A0A6E8}" type="slidenum">
+              <a:rPr lang="en-GB"/>
+              <a:pPr>
+                <a:defRPr/>
+              </a:pPr>
               <a:t>‹#›</a:t>
             </a:fld>
             <a:endParaRPr lang="en-GB"/>
           </a:p>
         </p:txBody>
       </p:sp>
-      <p:sp>
-        <p:nvSpPr>
-          <p:cNvPr id="11" name="TextBox 10"/>
-          <p:cNvSpPr txBox="1"/>
-          <p:nvPr/>
-        </p:nvSpPr>
-        <p:spPr>
-          <a:xfrm>
-            <a:off x="531812" y="812222"/>
-            <a:ext cx="609600" cy="584776"/>
-          </a:xfrm>
-          <a:prstGeom prst="rect">
-            <a:avLst/>
-          </a:prstGeom>
-        </p:spPr>
-        <p:txBody>
-          <a:bodyPr vert="horz" lIns="91440" tIns="45720" rIns="91440" bIns="45720" rtlCol="0" anchor="ctr">
-            <a:noAutofit/>
-          </a:bodyPr>
-          <a:lstStyle/>
-          <a:p>
-            <a:pPr lvl="0"/>
-            <a:r>
-              <a:rPr lang="en-US" sz="8000" dirty="0">
-                <a:solidFill>
-                  <a:schemeClr val="tx1"/>
-                </a:solidFill>
-                <a:effectLst/>
-              </a:rPr>
-              <a:t>“</a:t>
-            </a:r>
-          </a:p>
-        </p:txBody>
-      </p:sp>
-      <p:sp>
-        <p:nvSpPr>
-          <p:cNvPr id="12" name="TextBox 11"/>
-          <p:cNvSpPr txBox="1"/>
-          <p:nvPr/>
-        </p:nvSpPr>
-        <p:spPr>
-          <a:xfrm>
-            <a:off x="10285412" y="2768601"/>
-            <a:ext cx="609600" cy="584776"/>
-          </a:xfrm>
-          <a:prstGeom prst="rect">
-            <a:avLst/>
-          </a:prstGeom>
-        </p:spPr>
-        <p:txBody>
-          <a:bodyPr vert="horz" lIns="91440" tIns="45720" rIns="91440" bIns="45720" rtlCol="0" anchor="ctr">
-            <a:noAutofit/>
-          </a:bodyPr>
-          <a:lstStyle/>
-          <a:p>
-            <a:pPr lvl="0" algn="r"/>
-            <a:r>
-              <a:rPr lang="en-US" sz="8000" dirty="0">
-                <a:solidFill>
-                  <a:schemeClr val="tx1"/>
-                </a:solidFill>
-                <a:effectLst/>
-              </a:rPr>
-              <a:t>”</a:t>
-            </a:r>
-          </a:p>
-        </p:txBody>
-      </p:sp>
     </p:spTree>
-    <p:extLst>
-      <p:ext uri="{BB962C8B-B14F-4D97-AF65-F5344CB8AC3E}">
-        <p14:creationId xmlns:p14="http://schemas.microsoft.com/office/powerpoint/2010/main" val="117944740"/>
-      </p:ext>
-    </p:extLst>
   </p:cSld>
   <p:clrMapOvr>
     <a:masterClrMapping/>
@@ -2083,16 +2921,14 @@
           </a:xfrm>
         </p:spPr>
         <p:txBody>
-          <a:bodyPr vert="horz" lIns="91440" tIns="45720" rIns="91440" bIns="45720" rtlCol="0" anchor="ctr">
-            <a:normAutofit/>
-          </a:bodyPr>
+          <a:bodyPr/>
           <a:lstStyle>
             <a:lvl1pPr>
               <a:defRPr lang="en-US" b="0" dirty="0"/>
             </a:lvl1pPr>
           </a:lstStyle>
           <a:p>
-            <a:pPr marL="0" lvl="0"/>
+            <a:pPr lvl="0"/>
             <a:r>
               <a:rPr lang="en-US" smtClean="0"/>
               <a:t>Click to edit Master title style</a:t>
@@ -2118,7 +2954,7 @@
           </a:xfrm>
         </p:spPr>
         <p:txBody>
-          <a:bodyPr vert="horz" lIns="91440" tIns="45720" rIns="91440" bIns="45720" rtlCol="0" anchor="b">
+          <a:bodyPr rtlCol="0" anchor="b">
             <a:normAutofit/>
           </a:bodyPr>
           <a:lstStyle>
@@ -2136,12 +2972,7 @@
             </a:lvl1pPr>
           </a:lstStyle>
           <a:p>
-            <a:pPr marL="0" lvl="0">
-              <a:spcBef>
-                <a:spcPct val="0"/>
-              </a:spcBef>
-              <a:buNone/>
-            </a:pPr>
+            <a:pPr lvl="0"/>
             <a:r>
               <a:rPr lang="en-US" smtClean="0"/>
               <a:t>Click to edit Master text styles</a:t>
@@ -2272,21 +3103,31 @@
       </p:sp>
       <p:sp>
         <p:nvSpPr>
-          <p:cNvPr id="4" name="Date Placeholder 3"/>
-          <p:cNvSpPr>
-            <a:spLocks noGrp="1"/>
-          </p:cNvSpPr>
-          <p:nvPr>
-            <p:ph type="dt" sz="half" idx="10"/>
+          <p:cNvPr id="5" name="Date Placeholder 3"/>
+          <p:cNvSpPr>
+            <a:spLocks noGrp="1"/>
+          </p:cNvSpPr>
+          <p:nvPr>
+            <p:ph type="dt" sz="half" idx="14"/>
           </p:nvPr>
         </p:nvSpPr>
         <p:spPr/>
         <p:txBody>
           <a:bodyPr/>
-          <a:lstStyle/>
-          <a:p>
-            <a:fld id="{8E437C44-02A8-4CB1-8483-7F9DFD9CA9D4}" type="datetimeFigureOut">
-              <a:rPr lang="en-GB" smtClean="0"/>
+          <a:lstStyle>
+            <a:lvl1pPr>
+              <a:defRPr/>
+            </a:lvl1pPr>
+          </a:lstStyle>
+          <a:p>
+            <a:pPr>
+              <a:defRPr/>
+            </a:pPr>
+            <a:fld id="{8C9C301F-AA9E-43C6-AC03-8A328922EDF7}" type="datetimeFigureOut">
+              <a:rPr lang="en-GB"/>
+              <a:pPr>
+                <a:defRPr/>
+              </a:pPr>
               <a:t>04/02/2015</a:t>
             </a:fld>
             <a:endParaRPr lang="en-GB"/>
@@ -2295,40 +3136,57 @@
       </p:sp>
       <p:sp>
         <p:nvSpPr>
-          <p:cNvPr id="5" name="Footer Placeholder 4"/>
-          <p:cNvSpPr>
-            <a:spLocks noGrp="1"/>
-          </p:cNvSpPr>
-          <p:nvPr>
-            <p:ph type="ftr" sz="quarter" idx="11"/>
+          <p:cNvPr id="6" name="Footer Placeholder 4"/>
+          <p:cNvSpPr>
+            <a:spLocks noGrp="1"/>
+          </p:cNvSpPr>
+          <p:nvPr>
+            <p:ph type="ftr" sz="quarter" idx="15"/>
           </p:nvPr>
         </p:nvSpPr>
         <p:spPr/>
         <p:txBody>
           <a:bodyPr/>
-          <a:lstStyle/>
-          <a:p>
+          <a:lstStyle>
+            <a:lvl1pPr>
+              <a:defRPr/>
+            </a:lvl1pPr>
+          </a:lstStyle>
+          <a:p>
+            <a:pPr>
+              <a:defRPr/>
+            </a:pPr>
             <a:endParaRPr lang="en-GB"/>
           </a:p>
         </p:txBody>
       </p:sp>
       <p:sp>
         <p:nvSpPr>
-          <p:cNvPr id="6" name="Slide Number Placeholder 5"/>
-          <p:cNvSpPr>
-            <a:spLocks noGrp="1"/>
-          </p:cNvSpPr>
-          <p:nvPr>
-            <p:ph type="sldNum" sz="quarter" idx="12"/>
+          <p:cNvPr id="7" name="Slide Number Placeholder 5"/>
+          <p:cNvSpPr>
+            <a:spLocks noGrp="1"/>
+          </p:cNvSpPr>
+          <p:nvPr>
+            <p:ph type="sldNum" sz="quarter" idx="16"/>
           </p:nvPr>
         </p:nvSpPr>
         <p:spPr/>
         <p:txBody>
           <a:bodyPr/>
-          <a:lstStyle/>
-          <a:p>
-            <a:fld id="{DC682E38-3E8E-4D7E-9667-F6BCFB5B88D0}" type="slidenum">
-              <a:rPr lang="en-GB" smtClean="0"/>
+          <a:lstStyle>
+            <a:lvl1pPr>
+              <a:defRPr/>
+            </a:lvl1pPr>
+          </a:lstStyle>
+          <a:p>
+            <a:pPr>
+              <a:defRPr/>
+            </a:pPr>
+            <a:fld id="{B9457144-E19B-4954-9956-F7CECFD8AD37}" type="slidenum">
+              <a:rPr lang="en-GB"/>
+              <a:pPr>
+                <a:defRPr/>
+              </a:pPr>
               <a:t>‹#›</a:t>
             </a:fld>
             <a:endParaRPr lang="en-GB"/>
@@ -2336,11 +3194,6 @@
         </p:txBody>
       </p:sp>
     </p:spTree>
-    <p:extLst>
-      <p:ext uri="{BB962C8B-B14F-4D97-AF65-F5344CB8AC3E}">
-        <p14:creationId xmlns:p14="http://schemas.microsoft.com/office/powerpoint/2010/main" val="3151651960"/>
-      </p:ext>
-    </p:extLst>
   </p:cSld>
   <p:clrMapOvr>
     <a:masterClrMapping/>
@@ -2457,10 +3310,20 @@
         <p:spPr/>
         <p:txBody>
           <a:bodyPr/>
-          <a:lstStyle/>
-          <a:p>
-            <a:fld id="{8E437C44-02A8-4CB1-8483-7F9DFD9CA9D4}" type="datetimeFigureOut">
-              <a:rPr lang="en-GB" smtClean="0"/>
+          <a:lstStyle>
+            <a:lvl1pPr>
+              <a:defRPr/>
+            </a:lvl1pPr>
+          </a:lstStyle>
+          <a:p>
+            <a:pPr>
+              <a:defRPr/>
+            </a:pPr>
+            <a:fld id="{423AFC12-85EF-4158-9690-CF1446CAEC8E}" type="datetimeFigureOut">
+              <a:rPr lang="en-GB"/>
+              <a:pPr>
+                <a:defRPr/>
+              </a:pPr>
               <a:t>04/02/2015</a:t>
             </a:fld>
             <a:endParaRPr lang="en-GB"/>
@@ -2480,8 +3343,15 @@
         <p:spPr/>
         <p:txBody>
           <a:bodyPr/>
-          <a:lstStyle/>
-          <a:p>
+          <a:lstStyle>
+            <a:lvl1pPr>
+              <a:defRPr/>
+            </a:lvl1pPr>
+          </a:lstStyle>
+          <a:p>
+            <a:pPr>
+              <a:defRPr/>
+            </a:pPr>
             <a:endParaRPr lang="en-GB"/>
           </a:p>
         </p:txBody>
@@ -2499,10 +3369,20 @@
         <p:spPr/>
         <p:txBody>
           <a:bodyPr/>
-          <a:lstStyle/>
-          <a:p>
-            <a:fld id="{DC682E38-3E8E-4D7E-9667-F6BCFB5B88D0}" type="slidenum">
-              <a:rPr lang="en-GB" smtClean="0"/>
+          <a:lstStyle>
+            <a:lvl1pPr>
+              <a:defRPr/>
+            </a:lvl1pPr>
+          </a:lstStyle>
+          <a:p>
+            <a:pPr>
+              <a:defRPr/>
+            </a:pPr>
+            <a:fld id="{31DC84F1-6DF2-4824-AE33-525F2062F5D7}" type="slidenum">
+              <a:rPr lang="en-GB"/>
+              <a:pPr>
+                <a:defRPr/>
+              </a:pPr>
               <a:t>‹#›</a:t>
             </a:fld>
             <a:endParaRPr lang="en-GB"/>
@@ -2510,11 +3390,6 @@
         </p:txBody>
       </p:sp>
     </p:spTree>
-    <p:extLst>
-      <p:ext uri="{BB962C8B-B14F-4D97-AF65-F5344CB8AC3E}">
-        <p14:creationId xmlns:p14="http://schemas.microsoft.com/office/powerpoint/2010/main" val="3630176127"/>
-      </p:ext>
-    </p:extLst>
   </p:cSld>
   <p:clrMapOvr>
     <a:masterClrMapping/>
@@ -2637,10 +3512,20 @@
         <p:spPr/>
         <p:txBody>
           <a:bodyPr/>
-          <a:lstStyle/>
-          <a:p>
-            <a:fld id="{8E437C44-02A8-4CB1-8483-7F9DFD9CA9D4}" type="datetimeFigureOut">
-              <a:rPr lang="en-GB" smtClean="0"/>
+          <a:lstStyle>
+            <a:lvl1pPr>
+              <a:defRPr/>
+            </a:lvl1pPr>
+          </a:lstStyle>
+          <a:p>
+            <a:pPr>
+              <a:defRPr/>
+            </a:pPr>
+            <a:fld id="{26AD0A81-394D-47F0-86F8-D57483D64CD5}" type="datetimeFigureOut">
+              <a:rPr lang="en-GB"/>
+              <a:pPr>
+                <a:defRPr/>
+              </a:pPr>
               <a:t>04/02/2015</a:t>
             </a:fld>
             <a:endParaRPr lang="en-GB"/>
@@ -2660,8 +3545,15 @@
         <p:spPr/>
         <p:txBody>
           <a:bodyPr/>
-          <a:lstStyle/>
-          <a:p>
+          <a:lstStyle>
+            <a:lvl1pPr>
+              <a:defRPr/>
+            </a:lvl1pPr>
+          </a:lstStyle>
+          <a:p>
+            <a:pPr>
+              <a:defRPr/>
+            </a:pPr>
             <a:endParaRPr lang="en-GB"/>
           </a:p>
         </p:txBody>
@@ -2679,10 +3571,20 @@
         <p:spPr/>
         <p:txBody>
           <a:bodyPr/>
-          <a:lstStyle/>
-          <a:p>
-            <a:fld id="{DC682E38-3E8E-4D7E-9667-F6BCFB5B88D0}" type="slidenum">
-              <a:rPr lang="en-GB" smtClean="0"/>
+          <a:lstStyle>
+            <a:lvl1pPr>
+              <a:defRPr/>
+            </a:lvl1pPr>
+          </a:lstStyle>
+          <a:p>
+            <a:pPr>
+              <a:defRPr/>
+            </a:pPr>
+            <a:fld id="{C02E1C32-C8CC-4A50-A94A-B836AD0E0B19}" type="slidenum">
+              <a:rPr lang="en-GB"/>
+              <a:pPr>
+                <a:defRPr/>
+              </a:pPr>
               <a:t>‹#›</a:t>
             </a:fld>
             <a:endParaRPr lang="en-GB"/>
@@ -2690,11 +3592,6 @@
         </p:txBody>
       </p:sp>
     </p:spTree>
-    <p:extLst>
-      <p:ext uri="{BB962C8B-B14F-4D97-AF65-F5344CB8AC3E}">
-        <p14:creationId xmlns:p14="http://schemas.microsoft.com/office/powerpoint/2010/main" val="2408475924"/>
-      </p:ext>
-    </p:extLst>
   </p:cSld>
   <p:clrMapOvr>
     <a:masterClrMapping/>
@@ -2754,7 +3651,7 @@
         </p:nvSpPr>
         <p:spPr/>
         <p:txBody>
-          <a:bodyPr anchor="ctr"/>
+          <a:bodyPr/>
           <a:lstStyle/>
           <a:p>
             <a:pPr lvl="0"/>
@@ -2807,10 +3704,20 @@
         <p:spPr/>
         <p:txBody>
           <a:bodyPr/>
-          <a:lstStyle/>
-          <a:p>
-            <a:fld id="{8E437C44-02A8-4CB1-8483-7F9DFD9CA9D4}" type="datetimeFigureOut">
-              <a:rPr lang="en-GB" smtClean="0"/>
+          <a:lstStyle>
+            <a:lvl1pPr>
+              <a:defRPr/>
+            </a:lvl1pPr>
+          </a:lstStyle>
+          <a:p>
+            <a:pPr>
+              <a:defRPr/>
+            </a:pPr>
+            <a:fld id="{4E631EA0-91E1-40F4-85A5-BE03A37F990D}" type="datetimeFigureOut">
+              <a:rPr lang="en-GB"/>
+              <a:pPr>
+                <a:defRPr/>
+              </a:pPr>
               <a:t>04/02/2015</a:t>
             </a:fld>
             <a:endParaRPr lang="en-GB"/>
@@ -2830,8 +3737,15 @@
         <p:spPr/>
         <p:txBody>
           <a:bodyPr/>
-          <a:lstStyle/>
-          <a:p>
+          <a:lstStyle>
+            <a:lvl1pPr>
+              <a:defRPr/>
+            </a:lvl1pPr>
+          </a:lstStyle>
+          <a:p>
+            <a:pPr>
+              <a:defRPr/>
+            </a:pPr>
             <a:endParaRPr lang="en-GB"/>
           </a:p>
         </p:txBody>
@@ -2849,10 +3763,20 @@
         <p:spPr/>
         <p:txBody>
           <a:bodyPr/>
-          <a:lstStyle/>
-          <a:p>
-            <a:fld id="{DC682E38-3E8E-4D7E-9667-F6BCFB5B88D0}" type="slidenum">
-              <a:rPr lang="en-GB" smtClean="0"/>
+          <a:lstStyle>
+            <a:lvl1pPr>
+              <a:defRPr/>
+            </a:lvl1pPr>
+          </a:lstStyle>
+          <a:p>
+            <a:pPr>
+              <a:defRPr/>
+            </a:pPr>
+            <a:fld id="{153EAACB-9EC5-463E-A7A3-B66771D31CB3}" type="slidenum">
+              <a:rPr lang="en-GB"/>
+              <a:pPr>
+                <a:defRPr/>
+              </a:pPr>
               <a:t>‹#›</a:t>
             </a:fld>
             <a:endParaRPr lang="en-GB"/>
@@ -2860,11 +3784,6 @@
         </p:txBody>
       </p:sp>
     </p:spTree>
-    <p:extLst>
-      <p:ext uri="{BB962C8B-B14F-4D97-AF65-F5344CB8AC3E}">
-        <p14:creationId xmlns:p14="http://schemas.microsoft.com/office/powerpoint/2010/main" val="1569361381"/>
-      </p:ext>
-    </p:extLst>
   </p:cSld>
   <p:clrMapOvr>
     <a:masterClrMapping/>
@@ -2906,9 +3825,7 @@
           </a:xfrm>
         </p:spPr>
         <p:txBody>
-          <a:bodyPr anchor="b">
-            <a:normAutofit/>
-          </a:bodyPr>
+          <a:bodyPr anchor="b"/>
           <a:lstStyle>
             <a:lvl1pPr algn="l">
               <a:defRPr sz="3600" b="0" cap="all"/>
@@ -3057,10 +3974,20 @@
         <p:spPr/>
         <p:txBody>
           <a:bodyPr/>
-          <a:lstStyle/>
-          <a:p>
-            <a:fld id="{8E437C44-02A8-4CB1-8483-7F9DFD9CA9D4}" type="datetimeFigureOut">
-              <a:rPr lang="en-GB" smtClean="0"/>
+          <a:lstStyle>
+            <a:lvl1pPr>
+              <a:defRPr/>
+            </a:lvl1pPr>
+          </a:lstStyle>
+          <a:p>
+            <a:pPr>
+              <a:defRPr/>
+            </a:pPr>
+            <a:fld id="{E43B96C5-9B43-410F-A853-C47250542CD2}" type="datetimeFigureOut">
+              <a:rPr lang="en-GB"/>
+              <a:pPr>
+                <a:defRPr/>
+              </a:pPr>
               <a:t>04/02/2015</a:t>
             </a:fld>
             <a:endParaRPr lang="en-GB"/>
@@ -3080,8 +4007,15 @@
         <p:spPr/>
         <p:txBody>
           <a:bodyPr/>
-          <a:lstStyle/>
-          <a:p>
+          <a:lstStyle>
+            <a:lvl1pPr>
+              <a:defRPr/>
+            </a:lvl1pPr>
+          </a:lstStyle>
+          <a:p>
+            <a:pPr>
+              <a:defRPr/>
+            </a:pPr>
             <a:endParaRPr lang="en-GB"/>
           </a:p>
         </p:txBody>
@@ -3099,10 +4033,20 @@
         <p:spPr/>
         <p:txBody>
           <a:bodyPr/>
-          <a:lstStyle/>
-          <a:p>
-            <a:fld id="{DC682E38-3E8E-4D7E-9667-F6BCFB5B88D0}" type="slidenum">
-              <a:rPr lang="en-GB" smtClean="0"/>
+          <a:lstStyle>
+            <a:lvl1pPr>
+              <a:defRPr/>
+            </a:lvl1pPr>
+          </a:lstStyle>
+          <a:p>
+            <a:pPr>
+              <a:defRPr/>
+            </a:pPr>
+            <a:fld id="{3BE468DE-AE2E-4E06-BCAB-C144C6D86FBF}" type="slidenum">
+              <a:rPr lang="en-GB"/>
+              <a:pPr>
+                <a:defRPr/>
+              </a:pPr>
               <a:t>‹#›</a:t>
             </a:fld>
             <a:endParaRPr lang="en-GB"/>
@@ -3110,11 +4054,6 @@
         </p:txBody>
       </p:sp>
     </p:spTree>
-    <p:extLst>
-      <p:ext uri="{BB962C8B-B14F-4D97-AF65-F5344CB8AC3E}">
-        <p14:creationId xmlns:p14="http://schemas.microsoft.com/office/powerpoint/2010/main" val="3274262713"/>
-      </p:ext>
-    </p:extLst>
   </p:cSld>
   <p:clrMapOvr>
     <a:masterClrMapping/>
@@ -3293,10 +4232,20 @@
         <p:spPr/>
         <p:txBody>
           <a:bodyPr/>
-          <a:lstStyle/>
-          <a:p>
-            <a:fld id="{8E437C44-02A8-4CB1-8483-7F9DFD9CA9D4}" type="datetimeFigureOut">
-              <a:rPr lang="en-GB" smtClean="0"/>
+          <a:lstStyle>
+            <a:lvl1pPr>
+              <a:defRPr/>
+            </a:lvl1pPr>
+          </a:lstStyle>
+          <a:p>
+            <a:pPr>
+              <a:defRPr/>
+            </a:pPr>
+            <a:fld id="{2B6317ED-37D0-49CF-B967-A816307BE893}" type="datetimeFigureOut">
+              <a:rPr lang="en-GB"/>
+              <a:pPr>
+                <a:defRPr/>
+              </a:pPr>
               <a:t>04/02/2015</a:t>
             </a:fld>
             <a:endParaRPr lang="en-GB"/>
@@ -3316,8 +4265,15 @@
         <p:spPr/>
         <p:txBody>
           <a:bodyPr/>
-          <a:lstStyle/>
-          <a:p>
+          <a:lstStyle>
+            <a:lvl1pPr>
+              <a:defRPr/>
+            </a:lvl1pPr>
+          </a:lstStyle>
+          <a:p>
+            <a:pPr>
+              <a:defRPr/>
+            </a:pPr>
             <a:endParaRPr lang="en-GB"/>
           </a:p>
         </p:txBody>
@@ -3335,10 +4291,20 @@
         <p:spPr/>
         <p:txBody>
           <a:bodyPr/>
-          <a:lstStyle/>
-          <a:p>
-            <a:fld id="{DC682E38-3E8E-4D7E-9667-F6BCFB5B88D0}" type="slidenum">
-              <a:rPr lang="en-GB" smtClean="0"/>
+          <a:lstStyle>
+            <a:lvl1pPr>
+              <a:defRPr/>
+            </a:lvl1pPr>
+          </a:lstStyle>
+          <a:p>
+            <a:pPr>
+              <a:defRPr/>
+            </a:pPr>
+            <a:fld id="{D00D2129-9824-48A8-A4B5-F9B22F00780C}" type="slidenum">
+              <a:rPr lang="en-GB"/>
+              <a:pPr>
+                <a:defRPr/>
+              </a:pPr>
               <a:t>‹#›</a:t>
             </a:fld>
             <a:endParaRPr lang="en-GB"/>
@@ -3346,11 +4312,6 @@
         </p:txBody>
       </p:sp>
     </p:spTree>
-    <p:extLst>
-      <p:ext uri="{BB962C8B-B14F-4D97-AF65-F5344CB8AC3E}">
-        <p14:creationId xmlns:p14="http://schemas.microsoft.com/office/powerpoint/2010/main" val="2870163523"/>
-      </p:ext>
-    </p:extLst>
   </p:cSld>
   <p:clrMapOvr>
     <a:masterClrMapping/>
@@ -3675,10 +4636,20 @@
         <p:spPr/>
         <p:txBody>
           <a:bodyPr/>
-          <a:lstStyle/>
-          <a:p>
-            <a:fld id="{8E437C44-02A8-4CB1-8483-7F9DFD9CA9D4}" type="datetimeFigureOut">
-              <a:rPr lang="en-GB" smtClean="0"/>
+          <a:lstStyle>
+            <a:lvl1pPr>
+              <a:defRPr/>
+            </a:lvl1pPr>
+          </a:lstStyle>
+          <a:p>
+            <a:pPr>
+              <a:defRPr/>
+            </a:pPr>
+            <a:fld id="{33F09FFD-F1DB-4882-A031-6F0E26B0D970}" type="datetimeFigureOut">
+              <a:rPr lang="en-GB"/>
+              <a:pPr>
+                <a:defRPr/>
+              </a:pPr>
               <a:t>04/02/2015</a:t>
             </a:fld>
             <a:endParaRPr lang="en-GB"/>
@@ -3698,8 +4669,15 @@
         <p:spPr/>
         <p:txBody>
           <a:bodyPr/>
-          <a:lstStyle/>
-          <a:p>
+          <a:lstStyle>
+            <a:lvl1pPr>
+              <a:defRPr/>
+            </a:lvl1pPr>
+          </a:lstStyle>
+          <a:p>
+            <a:pPr>
+              <a:defRPr/>
+            </a:pPr>
             <a:endParaRPr lang="en-GB"/>
           </a:p>
         </p:txBody>
@@ -3717,10 +4695,20 @@
         <p:spPr/>
         <p:txBody>
           <a:bodyPr/>
-          <a:lstStyle/>
-          <a:p>
-            <a:fld id="{DC682E38-3E8E-4D7E-9667-F6BCFB5B88D0}" type="slidenum">
-              <a:rPr lang="en-GB" smtClean="0"/>
+          <a:lstStyle>
+            <a:lvl1pPr>
+              <a:defRPr/>
+            </a:lvl1pPr>
+          </a:lstStyle>
+          <a:p>
+            <a:pPr>
+              <a:defRPr/>
+            </a:pPr>
+            <a:fld id="{094B8A70-B6AC-49DF-A688-BAD21F538D28}" type="slidenum">
+              <a:rPr lang="en-GB"/>
+              <a:pPr>
+                <a:defRPr/>
+              </a:pPr>
               <a:t>‹#›</a:t>
             </a:fld>
             <a:endParaRPr lang="en-GB"/>
@@ -3728,11 +4716,6 @@
         </p:txBody>
       </p:sp>
     </p:spTree>
-    <p:extLst>
-      <p:ext uri="{BB962C8B-B14F-4D97-AF65-F5344CB8AC3E}">
-        <p14:creationId xmlns:p14="http://schemas.microsoft.com/office/powerpoint/2010/main" val="2082471046"/>
-      </p:ext>
-    </p:extLst>
   </p:cSld>
   <p:clrMapOvr>
     <a:masterClrMapping/>
@@ -3793,10 +4776,20 @@
         <p:spPr/>
         <p:txBody>
           <a:bodyPr/>
-          <a:lstStyle/>
-          <a:p>
-            <a:fld id="{8E437C44-02A8-4CB1-8483-7F9DFD9CA9D4}" type="datetimeFigureOut">
-              <a:rPr lang="en-GB" smtClean="0"/>
+          <a:lstStyle>
+            <a:lvl1pPr>
+              <a:defRPr/>
+            </a:lvl1pPr>
+          </a:lstStyle>
+          <a:p>
+            <a:pPr>
+              <a:defRPr/>
+            </a:pPr>
+            <a:fld id="{6F8F27A4-CAF3-45B6-B2D6-F8A4777B5FB5}" type="datetimeFigureOut">
+              <a:rPr lang="en-GB"/>
+              <a:pPr>
+                <a:defRPr/>
+              </a:pPr>
               <a:t>04/02/2015</a:t>
             </a:fld>
             <a:endParaRPr lang="en-GB"/>
@@ -3816,8 +4809,15 @@
         <p:spPr/>
         <p:txBody>
           <a:bodyPr/>
-          <a:lstStyle/>
-          <a:p>
+          <a:lstStyle>
+            <a:lvl1pPr>
+              <a:defRPr/>
+            </a:lvl1pPr>
+          </a:lstStyle>
+          <a:p>
+            <a:pPr>
+              <a:defRPr/>
+            </a:pPr>
             <a:endParaRPr lang="en-GB"/>
           </a:p>
         </p:txBody>
@@ -3835,10 +4835,20 @@
         <p:spPr/>
         <p:txBody>
           <a:bodyPr/>
-          <a:lstStyle/>
-          <a:p>
-            <a:fld id="{DC682E38-3E8E-4D7E-9667-F6BCFB5B88D0}" type="slidenum">
-              <a:rPr lang="en-GB" smtClean="0"/>
+          <a:lstStyle>
+            <a:lvl1pPr>
+              <a:defRPr/>
+            </a:lvl1pPr>
+          </a:lstStyle>
+          <a:p>
+            <a:pPr>
+              <a:defRPr/>
+            </a:pPr>
+            <a:fld id="{17121892-462E-4630-BC18-5CDB20ED1FD6}" type="slidenum">
+              <a:rPr lang="en-GB"/>
+              <a:pPr>
+                <a:defRPr/>
+              </a:pPr>
               <a:t>‹#›</a:t>
             </a:fld>
             <a:endParaRPr lang="en-GB"/>
@@ -3846,11 +4856,6 @@
         </p:txBody>
       </p:sp>
     </p:spTree>
-    <p:extLst>
-      <p:ext uri="{BB962C8B-B14F-4D97-AF65-F5344CB8AC3E}">
-        <p14:creationId xmlns:p14="http://schemas.microsoft.com/office/powerpoint/2010/main" val="1007530104"/>
-      </p:ext>
-    </p:extLst>
   </p:cSld>
   <p:clrMapOvr>
     <a:masterClrMapping/>
@@ -3888,10 +4893,20 @@
         <p:spPr/>
         <p:txBody>
           <a:bodyPr/>
-          <a:lstStyle/>
-          <a:p>
-            <a:fld id="{8E437C44-02A8-4CB1-8483-7F9DFD9CA9D4}" type="datetimeFigureOut">
-              <a:rPr lang="en-GB" smtClean="0"/>
+          <a:lstStyle>
+            <a:lvl1pPr>
+              <a:defRPr/>
+            </a:lvl1pPr>
+          </a:lstStyle>
+          <a:p>
+            <a:pPr>
+              <a:defRPr/>
+            </a:pPr>
+            <a:fld id="{AE3E7979-E296-4E78-BAD9-898FA8539F46}" type="datetimeFigureOut">
+              <a:rPr lang="en-GB"/>
+              <a:pPr>
+                <a:defRPr/>
+              </a:pPr>
               <a:t>04/02/2015</a:t>
             </a:fld>
             <a:endParaRPr lang="en-GB"/>
@@ -3911,8 +4926,15 @@
         <p:spPr/>
         <p:txBody>
           <a:bodyPr/>
-          <a:lstStyle/>
-          <a:p>
+          <a:lstStyle>
+            <a:lvl1pPr>
+              <a:defRPr/>
+            </a:lvl1pPr>
+          </a:lstStyle>
+          <a:p>
+            <a:pPr>
+              <a:defRPr/>
+            </a:pPr>
             <a:endParaRPr lang="en-GB"/>
           </a:p>
         </p:txBody>
@@ -3930,10 +4952,20 @@
         <p:spPr/>
         <p:txBody>
           <a:bodyPr/>
-          <a:lstStyle/>
-          <a:p>
-            <a:fld id="{DC682E38-3E8E-4D7E-9667-F6BCFB5B88D0}" type="slidenum">
-              <a:rPr lang="en-GB" smtClean="0"/>
+          <a:lstStyle>
+            <a:lvl1pPr>
+              <a:defRPr/>
+            </a:lvl1pPr>
+          </a:lstStyle>
+          <a:p>
+            <a:pPr>
+              <a:defRPr/>
+            </a:pPr>
+            <a:fld id="{43935441-6CB1-4180-95F5-160B53605551}" type="slidenum">
+              <a:rPr lang="en-GB"/>
+              <a:pPr>
+                <a:defRPr/>
+              </a:pPr>
               <a:t>‹#›</a:t>
             </a:fld>
             <a:endParaRPr lang="en-GB"/>
@@ -3941,11 +4973,6 @@
         </p:txBody>
       </p:sp>
     </p:spTree>
-    <p:extLst>
-      <p:ext uri="{BB962C8B-B14F-4D97-AF65-F5344CB8AC3E}">
-        <p14:creationId xmlns:p14="http://schemas.microsoft.com/office/powerpoint/2010/main" val="3434518067"/>
-      </p:ext>
-    </p:extLst>
   </p:cSld>
   <p:clrMapOvr>
     <a:masterClrMapping/>
@@ -3987,9 +5014,7 @@
           </a:xfrm>
         </p:spPr>
         <p:txBody>
-          <a:bodyPr anchor="b">
-            <a:normAutofit/>
-          </a:bodyPr>
+          <a:bodyPr anchor="b"/>
           <a:lstStyle>
             <a:lvl1pPr algn="l">
               <a:defRPr sz="2400" b="0"/>
@@ -4021,7 +5046,7 @@
           </a:xfrm>
         </p:spPr>
         <p:txBody>
-          <a:bodyPr anchor="ctr">
+          <a:bodyPr>
             <a:normAutofit/>
           </a:bodyPr>
           <a:lstStyle/>
@@ -4143,10 +5168,20 @@
         <p:spPr/>
         <p:txBody>
           <a:bodyPr/>
-          <a:lstStyle/>
-          <a:p>
-            <a:fld id="{8E437C44-02A8-4CB1-8483-7F9DFD9CA9D4}" type="datetimeFigureOut">
-              <a:rPr lang="en-GB" smtClean="0"/>
+          <a:lstStyle>
+            <a:lvl1pPr>
+              <a:defRPr/>
+            </a:lvl1pPr>
+          </a:lstStyle>
+          <a:p>
+            <a:pPr>
+              <a:defRPr/>
+            </a:pPr>
+            <a:fld id="{0C5AA36A-F9B3-4271-8CD2-B2FB1306027E}" type="datetimeFigureOut">
+              <a:rPr lang="en-GB"/>
+              <a:pPr>
+                <a:defRPr/>
+              </a:pPr>
               <a:t>04/02/2015</a:t>
             </a:fld>
             <a:endParaRPr lang="en-GB"/>
@@ -4166,8 +5201,15 @@
         <p:spPr/>
         <p:txBody>
           <a:bodyPr/>
-          <a:lstStyle/>
-          <a:p>
+          <a:lstStyle>
+            <a:lvl1pPr>
+              <a:defRPr/>
+            </a:lvl1pPr>
+          </a:lstStyle>
+          <a:p>
+            <a:pPr>
+              <a:defRPr/>
+            </a:pPr>
             <a:endParaRPr lang="en-GB"/>
           </a:p>
         </p:txBody>
@@ -4185,10 +5227,20 @@
         <p:spPr/>
         <p:txBody>
           <a:bodyPr/>
-          <a:lstStyle/>
-          <a:p>
-            <a:fld id="{DC682E38-3E8E-4D7E-9667-F6BCFB5B88D0}" type="slidenum">
-              <a:rPr lang="en-GB" smtClean="0"/>
+          <a:lstStyle>
+            <a:lvl1pPr>
+              <a:defRPr/>
+            </a:lvl1pPr>
+          </a:lstStyle>
+          <a:p>
+            <a:pPr>
+              <a:defRPr/>
+            </a:pPr>
+            <a:fld id="{25F0EB3B-C9CB-47DA-A990-FA0191796448}" type="slidenum">
+              <a:rPr lang="en-GB"/>
+              <a:pPr>
+                <a:defRPr/>
+              </a:pPr>
               <a:t>‹#›</a:t>
             </a:fld>
             <a:endParaRPr lang="en-GB"/>
@@ -4196,11 +5248,6 @@
         </p:txBody>
       </p:sp>
     </p:spTree>
-    <p:extLst>
-      <p:ext uri="{BB962C8B-B14F-4D97-AF65-F5344CB8AC3E}">
-        <p14:creationId xmlns:p14="http://schemas.microsoft.com/office/powerpoint/2010/main" val="4186233242"/>
-      </p:ext>
-    </p:extLst>
   </p:cSld>
   <p:clrMapOvr>
     <a:masterClrMapping/>
@@ -4242,9 +5289,7 @@
           </a:xfrm>
         </p:spPr>
         <p:txBody>
-          <a:bodyPr anchor="b">
-            <a:normAutofit/>
-          </a:bodyPr>
+          <a:bodyPr anchor="b"/>
           <a:lstStyle>
             <a:lvl1pPr algn="l">
               <a:defRPr sz="2800" b="0"/>
@@ -4296,7 +5341,7 @@
           </a:effectLst>
         </p:spPr>
         <p:txBody>
-          <a:bodyPr anchor="t">
+          <a:bodyPr rtlCol="0" anchor="t">
             <a:normAutofit/>
           </a:bodyPr>
           <a:lstStyle>
@@ -4338,11 +5383,12 @@
             </a:lvl9pPr>
           </a:lstStyle>
           <a:p>
-            <a:r>
-              <a:rPr lang="en-US" smtClean="0"/>
+            <a:pPr lvl="0"/>
+            <a:r>
+              <a:rPr lang="en-US" noProof="0" smtClean="0"/>
               <a:t>Click icon to add picture</a:t>
             </a:r>
-            <a:endParaRPr lang="en-US" dirty="0"/>
+            <a:endParaRPr lang="en-US" noProof="0" dirty="0"/>
           </a:p>
         </p:txBody>
       </p:sp>
@@ -4426,10 +5472,20 @@
         <p:spPr/>
         <p:txBody>
           <a:bodyPr/>
-          <a:lstStyle/>
-          <a:p>
-            <a:fld id="{8E437C44-02A8-4CB1-8483-7F9DFD9CA9D4}" type="datetimeFigureOut">
-              <a:rPr lang="en-GB" smtClean="0"/>
+          <a:lstStyle>
+            <a:lvl1pPr>
+              <a:defRPr/>
+            </a:lvl1pPr>
+          </a:lstStyle>
+          <a:p>
+            <a:pPr>
+              <a:defRPr/>
+            </a:pPr>
+            <a:fld id="{0DBF713F-A9ED-4C69-993D-793BC21D5820}" type="datetimeFigureOut">
+              <a:rPr lang="en-GB"/>
+              <a:pPr>
+                <a:defRPr/>
+              </a:pPr>
               <a:t>04/02/2015</a:t>
             </a:fld>
             <a:endParaRPr lang="en-GB"/>
@@ -4449,8 +5505,15 @@
         <p:spPr/>
         <p:txBody>
           <a:bodyPr/>
-          <a:lstStyle/>
-          <a:p>
+          <a:lstStyle>
+            <a:lvl1pPr>
+              <a:defRPr/>
+            </a:lvl1pPr>
+          </a:lstStyle>
+          <a:p>
+            <a:pPr>
+              <a:defRPr/>
+            </a:pPr>
             <a:endParaRPr lang="en-GB"/>
           </a:p>
         </p:txBody>
@@ -4468,10 +5531,20 @@
         <p:spPr/>
         <p:txBody>
           <a:bodyPr/>
-          <a:lstStyle/>
-          <a:p>
-            <a:fld id="{DC682E38-3E8E-4D7E-9667-F6BCFB5B88D0}" type="slidenum">
-              <a:rPr lang="en-GB" smtClean="0"/>
+          <a:lstStyle>
+            <a:lvl1pPr>
+              <a:defRPr/>
+            </a:lvl1pPr>
+          </a:lstStyle>
+          <a:p>
+            <a:pPr>
+              <a:defRPr/>
+            </a:pPr>
+            <a:fld id="{50981B01-4328-4D97-A5DC-A90A20A5E063}" type="slidenum">
+              <a:rPr lang="en-GB"/>
+              <a:pPr>
+                <a:defRPr/>
+              </a:pPr>
               <a:t>‹#›</a:t>
             </a:fld>
             <a:endParaRPr lang="en-GB"/>
@@ -4479,11 +5552,6 @@
         </p:txBody>
       </p:sp>
     </p:spTree>
-    <p:extLst>
-      <p:ext uri="{BB962C8B-B14F-4D97-AF65-F5344CB8AC3E}">
-        <p14:creationId xmlns:p14="http://schemas.microsoft.com/office/powerpoint/2010/main" val="1439815882"/>
-      </p:ext>
-    </p:extLst>
   </p:cSld>
   <p:clrMapOvr>
     <a:masterClrMapping/>
@@ -4536,14 +5604,16 @@
       </p:grpSpPr>
       <p:grpSp>
         <p:nvGrpSpPr>
-          <p:cNvPr id="7" name="Group 6"/>
-          <p:cNvGrpSpPr/>
+          <p:cNvPr id="1026" name="Group 6"/>
+          <p:cNvGrpSpPr>
+            <a:grpSpLocks/>
+          </p:cNvGrpSpPr>
           <p:nvPr/>
         </p:nvGrpSpPr>
-        <p:grpSpPr>
+        <p:grpSpPr bwMode="auto">
           <a:xfrm>
-            <a:off x="9206969" y="2963333"/>
-            <a:ext cx="2981858" cy="3208867"/>
+            <a:off x="9207500" y="2963863"/>
+            <a:ext cx="2981325" cy="3208337"/>
             <a:chOff x="9206969" y="2963333"/>
             <a:chExt cx="2981858" cy="3208867"/>
           </a:xfrm>
@@ -4556,8 +5626,8 @@
           </p:nvCxnSpPr>
           <p:spPr>
             <a:xfrm flipH="1">
-              <a:off x="11276012" y="2963333"/>
-              <a:ext cx="912814" cy="912812"/>
+              <a:off x="11275852" y="2963333"/>
+              <a:ext cx="912975" cy="912963"/>
             </a:xfrm>
             <a:prstGeom prst="line">
               <a:avLst/>
@@ -4591,8 +5661,8 @@
           </p:nvCxnSpPr>
           <p:spPr>
             <a:xfrm flipH="1">
-              <a:off x="9206969" y="3190344"/>
-              <a:ext cx="2981857" cy="2981856"/>
+              <a:off x="9206969" y="3190383"/>
+              <a:ext cx="2981858" cy="2981817"/>
             </a:xfrm>
             <a:prstGeom prst="line">
               <a:avLst/>
@@ -4626,8 +5696,8 @@
           </p:nvCxnSpPr>
           <p:spPr>
             <a:xfrm flipH="1">
-              <a:off x="10292292" y="3285067"/>
-              <a:ext cx="1896534" cy="1896533"/>
+              <a:off x="10293013" y="3285648"/>
+              <a:ext cx="1895814" cy="1895788"/>
             </a:xfrm>
             <a:prstGeom prst="line">
               <a:avLst/>
@@ -4661,8 +5731,8 @@
           </p:nvCxnSpPr>
           <p:spPr>
             <a:xfrm flipH="1">
-              <a:off x="10443103" y="3131080"/>
-              <a:ext cx="1745722" cy="1745720"/>
+              <a:off x="10443853" y="3131636"/>
+              <a:ext cx="1744974" cy="1744950"/>
             </a:xfrm>
             <a:prstGeom prst="line">
               <a:avLst/>
@@ -4696,8 +5766,8 @@
           </p:nvCxnSpPr>
           <p:spPr>
             <a:xfrm flipH="1">
-              <a:off x="10918826" y="3683001"/>
-              <a:ext cx="1270001" cy="1269999"/>
+              <a:off x="10918600" y="3682589"/>
+              <a:ext cx="1270227" cy="1270210"/>
             </a:xfrm>
             <a:prstGeom prst="line">
               <a:avLst/>
@@ -4736,8 +5806,8 @@
         </p:nvSpPr>
         <p:spPr>
           <a:xfrm>
-            <a:off x="684212" y="4487332"/>
-            <a:ext cx="8534400" cy="1507067"/>
+            <a:off x="684213" y="4487863"/>
+            <a:ext cx="8534400" cy="1506537"/>
           </a:xfrm>
           <a:prstGeom prst="rect">
             <a:avLst/>
@@ -4760,7 +5830,7 @@
       </p:sp>
       <p:sp>
         <p:nvSpPr>
-          <p:cNvPr id="3" name="Text Placeholder 2"/>
+          <p:cNvPr id="1028" name="Text Placeholder 2"/>
           <p:cNvSpPr>
             <a:spLocks noGrp="1"/>
           </p:cNvSpPr>
@@ -4768,18 +5838,27 @@
             <p:ph type="body" idx="1"/>
           </p:nvPr>
         </p:nvSpPr>
-        <p:spPr>
+        <p:spPr bwMode="auto">
           <a:xfrm>
-            <a:off x="684212" y="685800"/>
-            <a:ext cx="8534400" cy="3615267"/>
+            <a:off x="684213" y="685800"/>
+            <a:ext cx="8534400" cy="3614738"/>
           </a:xfrm>
           <a:prstGeom prst="rect">
             <a:avLst/>
           </a:prstGeom>
+          <a:noFill/>
+          <a:ln w="9525">
+            <a:noFill/>
+            <a:miter lim="800000"/>
+            <a:headEnd/>
+            <a:tailEnd/>
+          </a:ln>
         </p:spPr>
         <p:txBody>
-          <a:bodyPr vert="horz" lIns="91440" tIns="45720" rIns="91440" bIns="45720" rtlCol="0" anchor="ctr">
-            <a:normAutofit/>
+          <a:bodyPr vert="horz" wrap="square" lIns="91440" tIns="45720" rIns="91440" bIns="45720" numCol="1" anchor="ctr" anchorCtr="0" compatLnSpc="1">
+            <a:prstTxWarp prst="textNoShape">
+              <a:avLst/>
+            </a:prstTxWarp>
           </a:bodyPr>
           <a:lstStyle/>
           <a:p>
@@ -4816,7 +5895,6 @@
               <a:rPr lang="en-US" smtClean="0"/>
               <a:t>Fifth level</a:t>
             </a:r>
-            <a:endParaRPr lang="en-US" dirty="0"/>
           </a:p>
         </p:txBody>
       </p:sp>
@@ -4832,7 +5910,7 @@
         </p:nvSpPr>
         <p:spPr>
           <a:xfrm>
-            <a:off x="9904412" y="6172200"/>
+            <a:off x="9904413" y="6172200"/>
             <a:ext cx="1600200" cy="365125"/>
           </a:xfrm>
           <a:prstGeom prst="rect">
@@ -4842,7 +5920,69 @@
         <p:txBody>
           <a:bodyPr vert="horz" lIns="91440" tIns="45720" rIns="91440" bIns="45720" rtlCol="0" anchor="t"/>
           <a:lstStyle>
-            <a:lvl1pPr algn="r">
+            <a:lvl1pPr algn="r" fontAlgn="auto">
+              <a:spcBef>
+                <a:spcPts val="0"/>
+              </a:spcBef>
+              <a:spcAft>
+                <a:spcPts val="0"/>
+              </a:spcAft>
+              <a:defRPr sz="1000" b="0" i="0" smtClean="0">
+                <a:solidFill>
+                  <a:schemeClr val="bg2">
+                    <a:lumMod val="50000"/>
+                  </a:schemeClr>
+                </a:solidFill>
+                <a:effectLst/>
+                <a:latin typeface="+mn-lt"/>
+                <a:cs typeface="+mn-cs"/>
+              </a:defRPr>
+            </a:lvl1pPr>
+          </a:lstStyle>
+          <a:p>
+            <a:pPr>
+              <a:defRPr/>
+            </a:pPr>
+            <a:fld id="{EDE59FE9-FE3B-4723-8C2D-B3E3CC59F859}" type="datetimeFigureOut">
+              <a:rPr lang="en-GB"/>
+              <a:pPr>
+                <a:defRPr/>
+              </a:pPr>
+              <a:t>04/02/2015</a:t>
+            </a:fld>
+            <a:endParaRPr lang="en-GB"/>
+          </a:p>
+        </p:txBody>
+      </p:sp>
+      <p:sp>
+        <p:nvSpPr>
+          <p:cNvPr id="5" name="Footer Placeholder 4"/>
+          <p:cNvSpPr>
+            <a:spLocks noGrp="1"/>
+          </p:cNvSpPr>
+          <p:nvPr>
+            <p:ph type="ftr" sz="quarter" idx="3"/>
+          </p:nvPr>
+        </p:nvSpPr>
+        <p:spPr>
+          <a:xfrm>
+            <a:off x="684213" y="6172200"/>
+            <a:ext cx="7543800" cy="365125"/>
+          </a:xfrm>
+          <a:prstGeom prst="rect">
+            <a:avLst/>
+          </a:prstGeom>
+        </p:spPr>
+        <p:txBody>
+          <a:bodyPr vert="horz" lIns="91440" tIns="45720" rIns="91440" bIns="45720" rtlCol="0" anchor="t"/>
+          <a:lstStyle>
+            <a:lvl1pPr algn="l" fontAlgn="auto">
+              <a:spcBef>
+                <a:spcPts val="0"/>
+              </a:spcBef>
+              <a:spcAft>
+                <a:spcPts val="0"/>
+              </a:spcAft>
               <a:defRPr sz="1000" b="0" i="0">
                 <a:solidFill>
                   <a:schemeClr val="bg2">
@@ -4851,42 +5991,48 @@
                 </a:solidFill>
                 <a:effectLst/>
                 <a:latin typeface="+mn-lt"/>
+                <a:cs typeface="+mn-cs"/>
               </a:defRPr>
             </a:lvl1pPr>
           </a:lstStyle>
           <a:p>
-            <a:fld id="{8E437C44-02A8-4CB1-8483-7F9DFD9CA9D4}" type="datetimeFigureOut">
-              <a:rPr lang="en-GB" smtClean="0"/>
-              <a:t>04/02/2015</a:t>
-            </a:fld>
+            <a:pPr>
+              <a:defRPr/>
+            </a:pPr>
             <a:endParaRPr lang="en-GB"/>
           </a:p>
         </p:txBody>
       </p:sp>
       <p:sp>
         <p:nvSpPr>
-          <p:cNvPr id="5" name="Footer Placeholder 4"/>
-          <p:cNvSpPr>
-            <a:spLocks noGrp="1"/>
-          </p:cNvSpPr>
-          <p:nvPr>
-            <p:ph type="ftr" sz="quarter" idx="3"/>
+          <p:cNvPr id="6" name="Slide Number Placeholder 5"/>
+          <p:cNvSpPr>
+            <a:spLocks noGrp="1"/>
+          </p:cNvSpPr>
+          <p:nvPr>
+            <p:ph type="sldNum" sz="quarter" idx="4"/>
           </p:nvPr>
         </p:nvSpPr>
         <p:spPr>
           <a:xfrm>
-            <a:off x="684212" y="6172200"/>
-            <a:ext cx="7543800" cy="365125"/>
+            <a:off x="10363200" y="5578475"/>
+            <a:ext cx="1143000" cy="669925"/>
           </a:xfrm>
           <a:prstGeom prst="rect">
             <a:avLst/>
           </a:prstGeom>
         </p:spPr>
         <p:txBody>
-          <a:bodyPr vert="horz" lIns="91440" tIns="45720" rIns="91440" bIns="45720" rtlCol="0" anchor="t"/>
-          <a:lstStyle>
-            <a:lvl1pPr algn="l">
-              <a:defRPr sz="1000" b="0" i="0">
+          <a:bodyPr vert="horz" lIns="91440" tIns="45720" rIns="91440" bIns="45720" rtlCol="0" anchor="b"/>
+          <a:lstStyle>
+            <a:lvl1pPr algn="r" fontAlgn="auto">
+              <a:spcBef>
+                <a:spcPts val="0"/>
+              </a:spcBef>
+              <a:spcAft>
+                <a:spcPts val="0"/>
+              </a:spcAft>
+              <a:defRPr sz="3200" b="0" i="0" smtClean="0">
                 <a:solidFill>
                   <a:schemeClr val="bg2">
                     <a:lumMod val="50000"/>
@@ -4894,51 +6040,19 @@
                 </a:solidFill>
                 <a:effectLst/>
                 <a:latin typeface="+mn-lt"/>
+                <a:cs typeface="+mn-cs"/>
               </a:defRPr>
             </a:lvl1pPr>
           </a:lstStyle>
           <a:p>
-            <a:endParaRPr lang="en-GB"/>
-          </a:p>
-        </p:txBody>
-      </p:sp>
-      <p:sp>
-        <p:nvSpPr>
-          <p:cNvPr id="6" name="Slide Number Placeholder 5"/>
-          <p:cNvSpPr>
-            <a:spLocks noGrp="1"/>
-          </p:cNvSpPr>
-          <p:nvPr>
-            <p:ph type="sldNum" sz="quarter" idx="4"/>
-          </p:nvPr>
-        </p:nvSpPr>
-        <p:spPr>
-          <a:xfrm>
-            <a:off x="10363200" y="5578475"/>
-            <a:ext cx="1142245" cy="669925"/>
-          </a:xfrm>
-          <a:prstGeom prst="rect">
-            <a:avLst/>
-          </a:prstGeom>
-        </p:spPr>
-        <p:txBody>
-          <a:bodyPr vert="horz" lIns="91440" tIns="45720" rIns="91440" bIns="45720" rtlCol="0" anchor="b"/>
-          <a:lstStyle>
-            <a:lvl1pPr algn="r">
-              <a:defRPr sz="3200" b="0" i="0">
-                <a:solidFill>
-                  <a:schemeClr val="bg2">
-                    <a:lumMod val="50000"/>
-                  </a:schemeClr>
-                </a:solidFill>
-                <a:effectLst/>
-                <a:latin typeface="+mn-lt"/>
-              </a:defRPr>
-            </a:lvl1pPr>
-          </a:lstStyle>
-          <a:p>
-            <a:fld id="{DC682E38-3E8E-4D7E-9667-F6BCFB5B88D0}" type="slidenum">
-              <a:rPr lang="en-GB" smtClean="0"/>
+            <a:pPr>
+              <a:defRPr/>
+            </a:pPr>
+            <a:fld id="{FC70A38B-7EB5-450B-B50A-71E2B339DDD0}" type="slidenum">
+              <a:rPr lang="en-GB"/>
+              <a:pPr>
+                <a:defRPr/>
+              </a:pPr>
               <a:t>‹#›</a:t>
             </a:fld>
             <a:endParaRPr lang="en-GB"/>
@@ -4946,39 +6060,36 @@
         </p:txBody>
       </p:sp>
     </p:spTree>
-    <p:extLst>
-      <p:ext uri="{BB962C8B-B14F-4D97-AF65-F5344CB8AC3E}">
-        <p14:creationId xmlns:p14="http://schemas.microsoft.com/office/powerpoint/2010/main" val="1611113677"/>
-      </p:ext>
-    </p:extLst>
   </p:cSld>
   <p:clrMap bg1="dk1" tx1="lt1" bg2="dk2" tx2="lt2" accent1="accent1" accent2="accent2" accent3="accent3" accent4="accent4" accent5="accent5" accent6="accent6" hlink="hlink" folHlink="folHlink"/>
   <p:sldLayoutIdLst>
-    <p:sldLayoutId id="2147483709" r:id="rId1"/>
-    <p:sldLayoutId id="2147483710" r:id="rId2"/>
-    <p:sldLayoutId id="2147483711" r:id="rId3"/>
-    <p:sldLayoutId id="2147483712" r:id="rId4"/>
-    <p:sldLayoutId id="2147483713" r:id="rId5"/>
-    <p:sldLayoutId id="2147483714" r:id="rId6"/>
-    <p:sldLayoutId id="2147483715" r:id="rId7"/>
-    <p:sldLayoutId id="2147483716" r:id="rId8"/>
-    <p:sldLayoutId id="2147483717" r:id="rId9"/>
-    <p:sldLayoutId id="2147483718" r:id="rId10"/>
-    <p:sldLayoutId id="2147483719" r:id="rId11"/>
-    <p:sldLayoutId id="2147483720" r:id="rId12"/>
-    <p:sldLayoutId id="2147483721" r:id="rId13"/>
-    <p:sldLayoutId id="2147483722" r:id="rId14"/>
-    <p:sldLayoutId id="2147483723" r:id="rId15"/>
-    <p:sldLayoutId id="2147483724" r:id="rId16"/>
-    <p:sldLayoutId id="2147483725" r:id="rId17"/>
+    <p:sldLayoutId id="2147483726" r:id="rId1"/>
+    <p:sldLayoutId id="2147483727" r:id="rId2"/>
+    <p:sldLayoutId id="2147483728" r:id="rId3"/>
+    <p:sldLayoutId id="2147483729" r:id="rId4"/>
+    <p:sldLayoutId id="2147483730" r:id="rId5"/>
+    <p:sldLayoutId id="2147483731" r:id="rId6"/>
+    <p:sldLayoutId id="2147483732" r:id="rId7"/>
+    <p:sldLayoutId id="2147483733" r:id="rId8"/>
+    <p:sldLayoutId id="2147483734" r:id="rId9"/>
+    <p:sldLayoutId id="2147483735" r:id="rId10"/>
+    <p:sldLayoutId id="2147483736" r:id="rId11"/>
+    <p:sldLayoutId id="2147483737" r:id="rId12"/>
+    <p:sldLayoutId id="2147483738" r:id="rId13"/>
+    <p:sldLayoutId id="2147483739" r:id="rId14"/>
+    <p:sldLayoutId id="2147483740" r:id="rId15"/>
+    <p:sldLayoutId id="2147483741" r:id="rId16"/>
+    <p:sldLayoutId id="2147483742" r:id="rId17"/>
   </p:sldLayoutIdLst>
   <p:txStyles>
     <p:titleStyle>
-      <a:lvl1pPr algn="l" defTabSz="457200" rtl="0" eaLnBrk="1" latinLnBrk="0" hangingPunct="1">
+      <a:lvl1pPr algn="l" defTabSz="457200" rtl="0" fontAlgn="base">
         <a:spcBef>
           <a:spcPct val="0"/>
         </a:spcBef>
-        <a:buNone/>
+        <a:spcAft>
+          <a:spcPct val="0"/>
+        </a:spcAft>
         <a:defRPr sz="3600" kern="1200" cap="all">
           <a:ln w="3175" cmpd="sng">
             <a:noFill/>
@@ -4986,38 +6097,65 @@
           <a:solidFill>
             <a:schemeClr val="tx1"/>
           </a:solidFill>
-          <a:effectLst/>
           <a:latin typeface="+mj-lt"/>
           <a:ea typeface="+mj-ea"/>
           <a:cs typeface="+mj-cs"/>
         </a:defRPr>
       </a:lvl1pPr>
-      <a:lvl2pPr eaLnBrk="1" hangingPunct="1">
-        <a:defRPr>
+      <a:lvl2pPr algn="l" defTabSz="457200" rtl="0" fontAlgn="base">
+        <a:spcBef>
+          <a:spcPct val="0"/>
+        </a:spcBef>
+        <a:spcAft>
+          <a:spcPct val="0"/>
+        </a:spcAft>
+        <a:defRPr sz="3600">
           <a:solidFill>
-            <a:schemeClr val="tx2"/>
+            <a:schemeClr val="tx1"/>
           </a:solidFill>
+          <a:latin typeface="Century Gothic" pitchFamily="34" charset="0"/>
         </a:defRPr>
       </a:lvl2pPr>
-      <a:lvl3pPr eaLnBrk="1" hangingPunct="1">
-        <a:defRPr>
+      <a:lvl3pPr algn="l" defTabSz="457200" rtl="0" fontAlgn="base">
+        <a:spcBef>
+          <a:spcPct val="0"/>
+        </a:spcBef>
+        <a:spcAft>
+          <a:spcPct val="0"/>
+        </a:spcAft>
+        <a:defRPr sz="3600">
           <a:solidFill>
-            <a:schemeClr val="tx2"/>
+            <a:schemeClr val="tx1"/>
           </a:solidFill>
+          <a:latin typeface="Century Gothic" pitchFamily="34" charset="0"/>
         </a:defRPr>
       </a:lvl3pPr>
-      <a:lvl4pPr eaLnBrk="1" hangingPunct="1">
-        <a:defRPr>
+      <a:lvl4pPr algn="l" defTabSz="457200" rtl="0" fontAlgn="base">
+        <a:spcBef>
+          <a:spcPct val="0"/>
+        </a:spcBef>
+        <a:spcAft>
+          <a:spcPct val="0"/>
+        </a:spcAft>
+        <a:defRPr sz="3600">
           <a:solidFill>
-            <a:schemeClr val="tx2"/>
+            <a:schemeClr val="tx1"/>
           </a:solidFill>
+          <a:latin typeface="Century Gothic" pitchFamily="34" charset="0"/>
         </a:defRPr>
       </a:lvl4pPr>
-      <a:lvl5pPr eaLnBrk="1" hangingPunct="1">
-        <a:defRPr>
+      <a:lvl5pPr algn="l" defTabSz="457200" rtl="0" fontAlgn="base">
+        <a:spcBef>
+          <a:spcPct val="0"/>
+        </a:spcBef>
+        <a:spcAft>
+          <a:spcPct val="0"/>
+        </a:spcAft>
+        <a:defRPr sz="3600">
           <a:solidFill>
-            <a:schemeClr val="tx2"/>
+            <a:schemeClr val="tx1"/>
           </a:solidFill>
+          <a:latin typeface="Century Gothic" pitchFamily="34" charset="0"/>
         </a:defRPr>
       </a:lvl5pPr>
       <a:lvl6pPr eaLnBrk="1" hangingPunct="1">
@@ -5050,7 +6188,7 @@
       </a:lvl9pPr>
     </p:titleStyle>
     <p:bodyStyle>
-      <a:lvl1pPr marL="285750" indent="-285750" algn="l" defTabSz="457200" rtl="0" eaLnBrk="1" latinLnBrk="0" hangingPunct="1">
+      <a:lvl1pPr marL="285750" indent="-285750" algn="l" defTabSz="457200" rtl="0" fontAlgn="base">
         <a:spcBef>
           <a:spcPct val="20000"/>
         </a:spcBef>
@@ -5061,21 +6199,18 @@
           <a:schemeClr val="tx1"/>
         </a:buClr>
         <a:buSzPct val="80000"/>
-        <a:buFont typeface="Wingdings 3" panose="05040102010807070707" pitchFamily="18" charset="2"/>
+        <a:buFont typeface="Wingdings 3" pitchFamily="18" charset="2"/>
         <a:buChar char=""/>
-        <a:defRPr sz="2000" kern="1200" cap="none">
+        <a:defRPr sz="2000" kern="1200">
           <a:solidFill>
-            <a:schemeClr val="bg2">
-              <a:lumMod val="75000"/>
-            </a:schemeClr>
+            <a:srgbClr val="0F496F"/>
           </a:solidFill>
-          <a:effectLst/>
           <a:latin typeface="+mn-lt"/>
           <a:ea typeface="+mn-ea"/>
           <a:cs typeface="+mn-cs"/>
         </a:defRPr>
       </a:lvl1pPr>
-      <a:lvl2pPr marL="742950" indent="-285750" algn="l" defTabSz="457200" rtl="0" eaLnBrk="1" latinLnBrk="0" hangingPunct="1">
+      <a:lvl2pPr marL="742950" indent="-285750" algn="l" defTabSz="457200" rtl="0" fontAlgn="base">
         <a:spcBef>
           <a:spcPct val="20000"/>
         </a:spcBef>
@@ -5086,21 +6221,18 @@
           <a:schemeClr val="tx1"/>
         </a:buClr>
         <a:buSzPct val="80000"/>
-        <a:buFont typeface="Wingdings 3" panose="05040102010807070707" pitchFamily="18" charset="2"/>
+        <a:buFont typeface="Wingdings 3" pitchFamily="18" charset="2"/>
         <a:buChar char=""/>
-        <a:defRPr sz="1800" kern="1200" cap="none">
+        <a:defRPr kern="1200">
           <a:solidFill>
-            <a:schemeClr val="bg2">
-              <a:lumMod val="75000"/>
-            </a:schemeClr>
+            <a:srgbClr val="0F496F"/>
           </a:solidFill>
-          <a:effectLst/>
           <a:latin typeface="+mn-lt"/>
           <a:ea typeface="+mn-ea"/>
           <a:cs typeface="+mn-cs"/>
         </a:defRPr>
       </a:lvl2pPr>
-      <a:lvl3pPr marL="1200150" indent="-285750" algn="l" defTabSz="457200" rtl="0" eaLnBrk="1" latinLnBrk="0" hangingPunct="1">
+      <a:lvl3pPr marL="1200150" indent="-285750" algn="l" defTabSz="457200" rtl="0" fontAlgn="base">
         <a:spcBef>
           <a:spcPct val="20000"/>
         </a:spcBef>
@@ -5111,21 +6243,18 @@
           <a:schemeClr val="tx1"/>
         </a:buClr>
         <a:buSzPct val="80000"/>
-        <a:buFont typeface="Wingdings 3" panose="05040102010807070707" pitchFamily="18" charset="2"/>
+        <a:buFont typeface="Wingdings 3" pitchFamily="18" charset="2"/>
         <a:buChar char=""/>
-        <a:defRPr sz="1600" kern="1200" cap="none">
+        <a:defRPr sz="1600" kern="1200">
           <a:solidFill>
-            <a:schemeClr val="bg2">
-              <a:lumMod val="75000"/>
-            </a:schemeClr>
+            <a:srgbClr val="0F496F"/>
           </a:solidFill>
-          <a:effectLst/>
           <a:latin typeface="+mn-lt"/>
           <a:ea typeface="+mn-ea"/>
           <a:cs typeface="+mn-cs"/>
         </a:defRPr>
       </a:lvl3pPr>
-      <a:lvl4pPr marL="1543050" indent="-171450" algn="l" defTabSz="457200" rtl="0" eaLnBrk="1" latinLnBrk="0" hangingPunct="1">
+      <a:lvl4pPr marL="1543050" indent="-171450" algn="l" defTabSz="457200" rtl="0" fontAlgn="base">
         <a:spcBef>
           <a:spcPct val="20000"/>
         </a:spcBef>
@@ -5136,21 +6265,18 @@
           <a:schemeClr val="tx1"/>
         </a:buClr>
         <a:buSzPct val="80000"/>
-        <a:buFont typeface="Wingdings 3" panose="05040102010807070707" pitchFamily="18" charset="2"/>
+        <a:buFont typeface="Wingdings 3" pitchFamily="18" charset="2"/>
         <a:buChar char=""/>
-        <a:defRPr sz="1400" kern="1200" cap="none">
+        <a:defRPr sz="1400" kern="1200">
           <a:solidFill>
-            <a:schemeClr val="bg2">
-              <a:lumMod val="75000"/>
-            </a:schemeClr>
+            <a:srgbClr val="0F496F"/>
           </a:solidFill>
-          <a:effectLst/>
           <a:latin typeface="+mn-lt"/>
           <a:ea typeface="+mn-ea"/>
           <a:cs typeface="+mn-cs"/>
         </a:defRPr>
       </a:lvl4pPr>
-      <a:lvl5pPr marL="2000250" indent="-171450" algn="l" defTabSz="457200" rtl="0" eaLnBrk="1" latinLnBrk="0" hangingPunct="1">
+      <a:lvl5pPr marL="2000250" indent="-171450" algn="l" defTabSz="457200" rtl="0" fontAlgn="base">
         <a:spcBef>
           <a:spcPct val="20000"/>
         </a:spcBef>
@@ -5161,15 +6287,12 @@
           <a:schemeClr val="tx1"/>
         </a:buClr>
         <a:buSzPct val="80000"/>
-        <a:buFont typeface="Wingdings 3" panose="05040102010807070707" pitchFamily="18" charset="2"/>
+        <a:buFont typeface="Wingdings 3" pitchFamily="18" charset="2"/>
         <a:buChar char=""/>
-        <a:defRPr sz="1400" kern="1200" cap="none">
+        <a:defRPr sz="1400" kern="1200">
           <a:solidFill>
-            <a:schemeClr val="bg2">
-              <a:lumMod val="75000"/>
-            </a:schemeClr>
+            <a:srgbClr val="0F496F"/>
           </a:solidFill>
-          <a:effectLst/>
           <a:latin typeface="+mn-lt"/>
           <a:ea typeface="+mn-ea"/>
           <a:cs typeface="+mn-cs"/>
@@ -5380,10 +6503,8 @@
   <p:cSld>
     <p:bg>
       <p:bgPr>
-        <a:blipFill dpi="0" rotWithShape="1">
-          <a:blip r:embed="rId2">
-            <a:lum/>
-          </a:blip>
+        <a:blipFill dpi="0" rotWithShape="0">
+          <a:blip r:embed="rId3"/>
           <a:srcRect/>
           <a:stretch>
             <a:fillRect/>
@@ -5418,21 +6539,27 @@
         </p:nvSpPr>
         <p:spPr>
           <a:xfrm>
-            <a:off x="476655" y="466928"/>
-            <a:ext cx="11274358" cy="5943599"/>
+            <a:off x="476250" y="466725"/>
+            <a:ext cx="11274425" cy="5943600"/>
           </a:xfrm>
         </p:spPr>
         <p:txBody>
           <a:bodyPr/>
           <a:lstStyle/>
           <a:p>
+            <a:pPr fontAlgn="auto">
+              <a:spcAft>
+                <a:spcPts val="0"/>
+              </a:spcAft>
+              <a:defRPr/>
+            </a:pPr>
             <a:endParaRPr lang="en-GB" dirty="0"/>
           </a:p>
         </p:txBody>
       </p:sp>
       <p:sp>
         <p:nvSpPr>
-          <p:cNvPr id="3" name="Subtitle 2"/>
+          <p:cNvPr id="19459" name="Subtitle 2"/>
           <p:cNvSpPr>
             <a:spLocks noGrp="1"/>
           </p:cNvSpPr>
@@ -5442,69 +6569,59 @@
         </p:nvSpPr>
         <p:spPr>
           <a:xfrm>
-            <a:off x="1826163" y="633398"/>
-            <a:ext cx="8825658" cy="861420"/>
+            <a:off x="1825625" y="633413"/>
+            <a:ext cx="8826500" cy="862012"/>
           </a:xfrm>
         </p:spPr>
         <p:txBody>
-          <a:bodyPr>
-            <a:noAutofit/>
-          </a:bodyPr>
+          <a:bodyPr/>
           <a:lstStyle/>
           <a:p>
             <a:pPr algn="ctr"/>
             <a:r>
-              <a:rPr lang="en-GB" sz="7200" dirty="0" smtClean="0">
+              <a:rPr lang="en-GB" sz="7200" smtClean="0">
                 <a:solidFill>
                   <a:schemeClr val="tx1"/>
                 </a:solidFill>
               </a:rPr>
               <a:t>Team Boston</a:t>
             </a:r>
-            <a:endParaRPr lang="en-GB" sz="7200" dirty="0">
-              <a:solidFill>
-                <a:schemeClr val="tx1"/>
-              </a:solidFill>
-            </a:endParaRPr>
           </a:p>
         </p:txBody>
       </p:sp>
       <p:pic>
         <p:nvPicPr>
-          <p:cNvPr id="7" name="Picture 6"/>
+          <p:cNvPr id="19460" name="Picture 6"/>
           <p:cNvPicPr>
             <a:picLocks noChangeAspect="1"/>
           </p:cNvPicPr>
           <p:nvPr/>
         </p:nvPicPr>
         <p:blipFill>
-          <a:blip r:embed="rId3" cstate="print">
-            <a:extLst>
-              <a:ext uri="{28A0092B-C50C-407E-A947-70E740481C1C}">
-                <a14:useLocalDpi xmlns:a14="http://schemas.microsoft.com/office/drawing/2010/main" val="0"/>
-              </a:ext>
-            </a:extLst>
-          </a:blip>
+          <a:blip r:embed="rId4"/>
+          <a:srcRect/>
           <a:stretch>
             <a:fillRect/>
           </a:stretch>
         </p:blipFill>
-        <p:spPr>
+        <p:spPr bwMode="auto">
           <a:xfrm>
-            <a:off x="953311" y="2095581"/>
-            <a:ext cx="10058400" cy="3291583"/>
+            <a:off x="954088" y="2095500"/>
+            <a:ext cx="10058400" cy="3290888"/>
           </a:xfrm>
           <a:prstGeom prst="rect">
             <a:avLst/>
           </a:prstGeom>
+          <a:noFill/>
+          <a:ln w="9525">
+            <a:noFill/>
+            <a:miter lim="800000"/>
+            <a:headEnd/>
+            <a:tailEnd/>
+          </a:ln>
         </p:spPr>
       </p:pic>
     </p:spTree>
-    <p:extLst>
-      <p:ext uri="{BB962C8B-B14F-4D97-AF65-F5344CB8AC3E}">
-        <p14:creationId xmlns:p14="http://schemas.microsoft.com/office/powerpoint/2010/main" val="3295028147"/>
-      </p:ext>
-    </p:extLst>
   </p:cSld>
   <p:clrMapOvr>
     <a:masterClrMapping/>
@@ -5524,10 +6641,8 @@
   <p:cSld>
     <p:bg>
       <p:bgPr>
-        <a:blipFill dpi="0" rotWithShape="1">
-          <a:blip r:embed="rId2">
-            <a:lum/>
-          </a:blip>
+        <a:blipFill dpi="0" rotWithShape="0">
+          <a:blip r:embed="rId3"/>
           <a:srcRect/>
           <a:stretch>
             <a:fillRect/>
@@ -5562,15 +6677,20 @@
         </p:nvSpPr>
         <p:spPr>
           <a:xfrm>
-            <a:off x="1773709" y="615724"/>
-            <a:ext cx="8534400" cy="1507067"/>
+            <a:off x="1773238" y="615950"/>
+            <a:ext cx="8534400" cy="1506538"/>
           </a:xfrm>
         </p:spPr>
         <p:txBody>
           <a:bodyPr/>
           <a:lstStyle/>
           <a:p>
-            <a:pPr algn="ctr"/>
+            <a:pPr algn="ctr" fontAlgn="auto">
+              <a:spcAft>
+                <a:spcPts val="0"/>
+              </a:spcAft>
+              <a:defRPr/>
+            </a:pPr>
             <a:r>
               <a:rPr lang="en-GB" dirty="0" smtClean="0"/>
               <a:t>		</a:t>
@@ -5589,7 +6709,7 @@
       </p:sp>
       <p:sp>
         <p:nvSpPr>
-          <p:cNvPr id="3" name="Content Placeholder 2"/>
+          <p:cNvPr id="20483" name="Content Placeholder 2"/>
           <p:cNvSpPr>
             <a:spLocks noGrp="1"/>
           </p:cNvSpPr>
@@ -5599,211 +6719,124 @@
         </p:nvSpPr>
         <p:spPr>
           <a:xfrm>
-            <a:off x="1392611" y="2122791"/>
-            <a:ext cx="5191359" cy="3615267"/>
+            <a:off x="1392238" y="2122488"/>
+            <a:ext cx="5191125" cy="3616325"/>
           </a:xfrm>
         </p:spPr>
         <p:txBody>
-          <a:bodyPr>
-            <a:normAutofit/>
-          </a:bodyPr>
+          <a:bodyPr/>
           <a:lstStyle/>
           <a:p>
             <a:pPr algn="just"/>
             <a:r>
-              <a:rPr lang="en-GB" sz="3600" dirty="0" smtClean="0">
+              <a:rPr lang="en-GB" sz="3600" smtClean="0">
                 <a:solidFill>
                   <a:schemeClr val="tx1"/>
                 </a:solidFill>
               </a:rPr>
-              <a:t>Georgi </a:t>
-            </a:r>
-            <a:r>
-              <a:rPr lang="en-GB" sz="3600" dirty="0" err="1" smtClean="0">
+              <a:t>Georgi Damyanov</a:t>
+            </a:r>
+          </a:p>
+          <a:p>
+            <a:pPr algn="just"/>
+            <a:r>
+              <a:rPr lang="en-GB" sz="3600" smtClean="0">
                 <a:solidFill>
                   <a:schemeClr val="tx1"/>
                 </a:solidFill>
               </a:rPr>
-              <a:t>Damyanov</a:t>
-            </a:r>
-            <a:endParaRPr lang="en-GB" sz="3600" dirty="0" smtClean="0">
-              <a:solidFill>
-                <a:schemeClr val="tx1"/>
-              </a:solidFill>
-            </a:endParaRPr>
+              <a:t>ILiyan Grekov</a:t>
+            </a:r>
           </a:p>
           <a:p>
             <a:pPr algn="just"/>
             <a:r>
-              <a:rPr lang="en-GB" sz="3600" dirty="0" err="1" smtClean="0">
+              <a:rPr lang="en-GB" sz="3600" smtClean="0">
                 <a:solidFill>
                   <a:schemeClr val="tx1"/>
                 </a:solidFill>
               </a:rPr>
-              <a:t>iLiyan</a:t>
-            </a:r>
-            <a:r>
-              <a:rPr lang="en-GB" sz="3600" dirty="0" smtClean="0">
+              <a:t>Teodor Karadjov</a:t>
+            </a:r>
+          </a:p>
+          <a:p>
+            <a:pPr algn="just"/>
+            <a:r>
+              <a:rPr lang="en-GB" sz="3600" smtClean="0">
                 <a:solidFill>
                   <a:schemeClr val="tx1"/>
                 </a:solidFill>
               </a:rPr>
-              <a:t> </a:t>
-            </a:r>
-            <a:r>
-              <a:rPr lang="en-GB" sz="3600" dirty="0" err="1" smtClean="0">
-                <a:solidFill>
-                  <a:schemeClr val="tx1"/>
-                </a:solidFill>
-              </a:rPr>
-              <a:t>Grekov</a:t>
-            </a:r>
-            <a:endParaRPr lang="en-GB" sz="3600" dirty="0" smtClean="0">
-              <a:solidFill>
-                <a:schemeClr val="tx1"/>
-              </a:solidFill>
-            </a:endParaRPr>
-          </a:p>
-          <a:p>
-            <a:pPr algn="just"/>
-            <a:r>
-              <a:rPr lang="en-GB" sz="3600" dirty="0" err="1" smtClean="0">
-                <a:solidFill>
-                  <a:schemeClr val="tx1"/>
-                </a:solidFill>
-              </a:rPr>
-              <a:t>Teodor</a:t>
-            </a:r>
-            <a:r>
-              <a:rPr lang="en-GB" sz="3600" dirty="0" smtClean="0">
-                <a:solidFill>
-                  <a:schemeClr val="tx1"/>
-                </a:solidFill>
-              </a:rPr>
-              <a:t> </a:t>
-            </a:r>
-            <a:r>
-              <a:rPr lang="en-GB" sz="3600" dirty="0" err="1" smtClean="0">
-                <a:solidFill>
-                  <a:schemeClr val="tx1"/>
-                </a:solidFill>
-              </a:rPr>
-              <a:t>Karadjov</a:t>
-            </a:r>
-            <a:endParaRPr lang="en-GB" sz="3600" dirty="0" smtClean="0">
-              <a:solidFill>
-                <a:schemeClr val="tx1"/>
-              </a:solidFill>
-            </a:endParaRPr>
-          </a:p>
-          <a:p>
-            <a:pPr algn="just"/>
-            <a:r>
-              <a:rPr lang="en-GB" sz="3600" dirty="0" err="1" smtClean="0">
-                <a:solidFill>
-                  <a:schemeClr val="tx1"/>
-                </a:solidFill>
-              </a:rPr>
-              <a:t>Danail</a:t>
-            </a:r>
-            <a:r>
-              <a:rPr lang="en-GB" sz="3600" dirty="0" smtClean="0">
-                <a:solidFill>
-                  <a:schemeClr val="tx1"/>
-                </a:solidFill>
-              </a:rPr>
-              <a:t> </a:t>
-            </a:r>
-            <a:r>
-              <a:rPr lang="en-GB" sz="3600" dirty="0" err="1" smtClean="0">
-                <a:solidFill>
-                  <a:schemeClr val="tx1"/>
-                </a:solidFill>
-              </a:rPr>
-              <a:t>Batev</a:t>
-            </a:r>
-            <a:r>
-              <a:rPr lang="en-GB" sz="3600" dirty="0" smtClean="0">
-                <a:solidFill>
-                  <a:schemeClr val="tx1"/>
-                </a:solidFill>
-              </a:rPr>
-              <a:t> </a:t>
-            </a:r>
-            <a:endParaRPr lang="en-GB" sz="3600" dirty="0">
-              <a:solidFill>
-                <a:schemeClr val="tx1"/>
-              </a:solidFill>
-            </a:endParaRPr>
+              <a:t>Danail Batev </a:t>
+            </a:r>
           </a:p>
         </p:txBody>
       </p:sp>
       <p:pic>
         <p:nvPicPr>
-          <p:cNvPr id="4" name="Picture 3"/>
+          <p:cNvPr id="20484" name="Picture 3"/>
           <p:cNvPicPr>
             <a:picLocks noChangeAspect="1"/>
           </p:cNvPicPr>
           <p:nvPr/>
         </p:nvPicPr>
         <p:blipFill>
-          <a:blip r:embed="rId3">
-            <a:extLst>
-              <a:ext uri="{28A0092B-C50C-407E-A947-70E740481C1C}">
-                <a14:useLocalDpi xmlns:a14="http://schemas.microsoft.com/office/drawing/2010/main" val="0"/>
-              </a:ext>
-            </a:extLst>
-          </a:blip>
+          <a:blip r:embed="rId4"/>
+          <a:srcRect/>
           <a:stretch>
             <a:fillRect/>
           </a:stretch>
         </p:blipFill>
-        <p:spPr>
+        <p:spPr bwMode="auto">
           <a:xfrm>
-            <a:off x="6872525" y="2838134"/>
-            <a:ext cx="3724139" cy="2451371"/>
+            <a:off x="6872288" y="2838450"/>
+            <a:ext cx="3724275" cy="2451100"/>
           </a:xfrm>
           <a:prstGeom prst="rect">
             <a:avLst/>
           </a:prstGeom>
+          <a:noFill/>
+          <a:ln w="9525">
+            <a:noFill/>
+            <a:miter lim="800000"/>
+            <a:headEnd/>
+            <a:tailEnd/>
+          </a:ln>
         </p:spPr>
       </p:pic>
       <p:pic>
         <p:nvPicPr>
-          <p:cNvPr id="5" name="Picture 4"/>
+          <p:cNvPr id="20485" name="Picture 4"/>
           <p:cNvPicPr>
             <a:picLocks noChangeAspect="1"/>
           </p:cNvPicPr>
           <p:nvPr/>
         </p:nvPicPr>
         <p:blipFill>
-          <a:blip r:embed="rId4">
-            <a:extLst>
-              <a:ext uri="{28A0092B-C50C-407E-A947-70E740481C1C}">
-                <a14:useLocalDpi xmlns:a14="http://schemas.microsoft.com/office/drawing/2010/main" val="0"/>
-              </a:ext>
-            </a:extLst>
-          </a:blip>
+          <a:blip r:embed="rId5"/>
+          <a:srcRect/>
           <a:stretch>
             <a:fillRect/>
           </a:stretch>
         </p:blipFill>
-        <p:spPr>
+        <p:spPr bwMode="auto">
           <a:xfrm>
-            <a:off x="9924656" y="476655"/>
-            <a:ext cx="1529101" cy="1438275"/>
+            <a:off x="9925050" y="476250"/>
+            <a:ext cx="1528763" cy="1438275"/>
           </a:xfrm>
           <a:prstGeom prst="rect">
             <a:avLst/>
           </a:prstGeom>
+          <a:noFill/>
+          <a:ln w="9525">
+            <a:noFill/>
+            <a:miter lim="800000"/>
+            <a:headEnd/>
+            <a:tailEnd/>
+          </a:ln>
         </p:spPr>
       </p:pic>
     </p:spTree>
-    <p:extLst>
-      <p:ext uri="{BB962C8B-B14F-4D97-AF65-F5344CB8AC3E}">
-        <p14:creationId xmlns:p14="http://schemas.microsoft.com/office/powerpoint/2010/main" val="3306880665"/>
-      </p:ext>
-    </p:extLst>
   </p:cSld>
   <p:clrMapOvr>
     <a:masterClrMapping/>
@@ -5823,10 +6856,8 @@
   <p:cSld>
     <p:bg>
       <p:bgPr>
-        <a:blipFill dpi="0" rotWithShape="1">
-          <a:blip r:embed="rId2">
-            <a:lum/>
-          </a:blip>
+        <a:blipFill dpi="0" rotWithShape="0">
+          <a:blip r:embed="rId3"/>
           <a:srcRect/>
           <a:stretch>
             <a:fillRect/>
@@ -5861,14 +6892,20 @@
         </p:nvSpPr>
         <p:spPr>
           <a:xfrm>
-            <a:off x="1705617" y="440625"/>
-            <a:ext cx="8534400" cy="1507067"/>
+            <a:off x="1704975" y="441325"/>
+            <a:ext cx="8534400" cy="1506538"/>
           </a:xfrm>
         </p:spPr>
         <p:txBody>
           <a:bodyPr/>
           <a:lstStyle/>
           <a:p>
+            <a:pPr fontAlgn="auto">
+              <a:spcAft>
+                <a:spcPts val="0"/>
+              </a:spcAft>
+              <a:defRPr/>
+            </a:pPr>
             <a:r>
               <a:rPr lang="en-GB" dirty="0" smtClean="0"/>
               <a:t>OUR PROJECT:</a:t>
@@ -5879,7 +6916,7 @@
       </p:sp>
       <p:sp>
         <p:nvSpPr>
-          <p:cNvPr id="3" name="Content Placeholder 2"/>
+          <p:cNvPr id="21507" name="Content Placeholder 2"/>
           <p:cNvSpPr>
             <a:spLocks noGrp="1"/>
           </p:cNvSpPr>
@@ -5889,65 +6926,28 @@
         </p:nvSpPr>
         <p:spPr>
           <a:xfrm>
-            <a:off x="304833" y="1687750"/>
-            <a:ext cx="8534400" cy="860898"/>
+            <a:off x="304800" y="1687513"/>
+            <a:ext cx="8534400" cy="860425"/>
           </a:xfrm>
         </p:spPr>
         <p:txBody>
-          <a:bodyPr>
-            <a:normAutofit/>
-          </a:bodyPr>
+          <a:bodyPr/>
           <a:lstStyle/>
           <a:p>
             <a:r>
-              <a:rPr lang="en-GB" sz="4800" dirty="0" smtClean="0">
+              <a:rPr lang="en-GB" sz="4800" smtClean="0">
                 <a:solidFill>
                   <a:schemeClr val="tx1"/>
                 </a:solidFill>
               </a:rPr>
               <a:t>Pong game </a:t>
             </a:r>
-            <a:endParaRPr lang="en-GB" sz="4800" dirty="0">
-              <a:solidFill>
-                <a:schemeClr val="tx1"/>
-              </a:solidFill>
-            </a:endParaRPr>
           </a:p>
         </p:txBody>
       </p:sp>
       <p:pic>
         <p:nvPicPr>
-          <p:cNvPr id="4" name="Picture 3"/>
-          <p:cNvPicPr>
-            <a:picLocks noChangeAspect="1"/>
-          </p:cNvPicPr>
-          <p:nvPr/>
-        </p:nvPicPr>
-        <p:blipFill>
-          <a:blip r:embed="rId3">
-            <a:extLst>
-              <a:ext uri="{28A0092B-C50C-407E-A947-70E740481C1C}">
-                <a14:useLocalDpi xmlns:a14="http://schemas.microsoft.com/office/drawing/2010/main" val="0"/>
-              </a:ext>
-            </a:extLst>
-          </a:blip>
-          <a:stretch>
-            <a:fillRect/>
-          </a:stretch>
-        </p:blipFill>
-        <p:spPr>
-          <a:xfrm>
-            <a:off x="878766" y="2691682"/>
-            <a:ext cx="5943600" cy="3724275"/>
-          </a:xfrm>
-          <a:prstGeom prst="rect">
-            <a:avLst/>
-          </a:prstGeom>
-        </p:spPr>
-      </p:pic>
-      <p:pic>
-        <p:nvPicPr>
-          <p:cNvPr id="5" name="Picture 4"/>
+          <p:cNvPr id="21508" name="Picture 3"/>
           <p:cNvPicPr>
             <a:picLocks noChangeAspect="1"/>
           </p:cNvPicPr>
@@ -5955,56 +6955,93 @@
         </p:nvPicPr>
         <p:blipFill>
           <a:blip r:embed="rId4"/>
+          <a:srcRect/>
           <a:stretch>
             <a:fillRect/>
           </a:stretch>
         </p:blipFill>
-        <p:spPr>
+        <p:spPr bwMode="auto">
           <a:xfrm>
-            <a:off x="10467089" y="248969"/>
-            <a:ext cx="1530229" cy="1438781"/>
+            <a:off x="879475" y="2692400"/>
+            <a:ext cx="5943600" cy="3724275"/>
           </a:xfrm>
           <a:prstGeom prst="rect">
             <a:avLst/>
           </a:prstGeom>
+          <a:noFill/>
+          <a:ln w="9525">
+            <a:noFill/>
+            <a:miter lim="800000"/>
+            <a:headEnd/>
+            <a:tailEnd/>
+          </a:ln>
         </p:spPr>
       </p:pic>
       <p:pic>
         <p:nvPicPr>
-          <p:cNvPr id="6" name="Picture 5"/>
+          <p:cNvPr id="21509" name="Picture 4"/>
           <p:cNvPicPr>
             <a:picLocks noChangeAspect="1"/>
           </p:cNvPicPr>
           <p:nvPr/>
         </p:nvPicPr>
         <p:blipFill>
-          <a:blip r:embed="rId5">
-            <a:extLst>
-              <a:ext uri="{28A0092B-C50C-407E-A947-70E740481C1C}">
-                <a14:useLocalDpi xmlns:a14="http://schemas.microsoft.com/office/drawing/2010/main" val="0"/>
-              </a:ext>
-            </a:extLst>
-          </a:blip>
+          <a:blip r:embed="rId5"/>
+          <a:srcRect/>
           <a:stretch>
             <a:fillRect/>
           </a:stretch>
         </p:blipFill>
-        <p:spPr>
-          <a:xfrm rot="1218836">
-            <a:off x="8820423" y="2468646"/>
-            <a:ext cx="2367773" cy="1947244"/>
+        <p:spPr bwMode="auto">
+          <a:xfrm>
+            <a:off x="10466388" y="249238"/>
+            <a:ext cx="1530350" cy="1438275"/>
           </a:xfrm>
           <a:prstGeom prst="rect">
             <a:avLst/>
           </a:prstGeom>
+          <a:noFill/>
+          <a:ln w="9525">
+            <a:noFill/>
+            <a:miter lim="800000"/>
+            <a:headEnd/>
+            <a:tailEnd/>
+          </a:ln>
+        </p:spPr>
+      </p:pic>
+      <p:pic>
+        <p:nvPicPr>
+          <p:cNvPr id="21510" name="Picture 5"/>
+          <p:cNvPicPr>
+            <a:picLocks noChangeAspect="1"/>
+          </p:cNvPicPr>
+          <p:nvPr/>
+        </p:nvPicPr>
+        <p:blipFill>
+          <a:blip r:embed="rId6"/>
+          <a:srcRect/>
+          <a:stretch>
+            <a:fillRect/>
+          </a:stretch>
+        </p:blipFill>
+        <p:spPr bwMode="auto">
+          <a:xfrm rot="1218836">
+            <a:off x="8820150" y="2468563"/>
+            <a:ext cx="2368550" cy="1947862"/>
+          </a:xfrm>
+          <a:prstGeom prst="rect">
+            <a:avLst/>
+          </a:prstGeom>
+          <a:noFill/>
+          <a:ln w="9525">
+            <a:noFill/>
+            <a:miter lim="800000"/>
+            <a:headEnd/>
+            <a:tailEnd/>
+          </a:ln>
         </p:spPr>
       </p:pic>
     </p:spTree>
-    <p:extLst>
-      <p:ext uri="{BB962C8B-B14F-4D97-AF65-F5344CB8AC3E}">
-        <p14:creationId xmlns:p14="http://schemas.microsoft.com/office/powerpoint/2010/main" val="3207237003"/>
-      </p:ext>
-    </p:extLst>
   </p:cSld>
   <p:clrMapOvr>
     <a:masterClrMapping/>
@@ -6024,10 +7061,8 @@
   <p:cSld>
     <p:bg>
       <p:bgPr>
-        <a:blipFill dpi="0" rotWithShape="1">
-          <a:blip r:embed="rId2">
-            <a:lum/>
-          </a:blip>
+        <a:blipFill dpi="0" rotWithShape="0">
+          <a:blip r:embed="rId3"/>
           <a:srcRect/>
           <a:stretch>
             <a:fillRect/>
@@ -6052,37 +7087,7 @@
       </p:grpSpPr>
       <p:pic>
         <p:nvPicPr>
-          <p:cNvPr id="5" name="Picture 4"/>
-          <p:cNvPicPr>
-            <a:picLocks noChangeAspect="1"/>
-          </p:cNvPicPr>
-          <p:nvPr/>
-        </p:nvPicPr>
-        <p:blipFill>
-          <a:blip r:embed="rId3">
-            <a:extLst>
-              <a:ext uri="{28A0092B-C50C-407E-A947-70E740481C1C}">
-                <a14:useLocalDpi xmlns:a14="http://schemas.microsoft.com/office/drawing/2010/main" val="0"/>
-              </a:ext>
-            </a:extLst>
-          </a:blip>
-          <a:stretch>
-            <a:fillRect/>
-          </a:stretch>
-        </p:blipFill>
-        <p:spPr>
-          <a:xfrm>
-            <a:off x="2500010" y="484039"/>
-            <a:ext cx="7461115" cy="5809756"/>
-          </a:xfrm>
-          <a:prstGeom prst="rect">
-            <a:avLst/>
-          </a:prstGeom>
-        </p:spPr>
-      </p:pic>
-      <p:pic>
-        <p:nvPicPr>
-          <p:cNvPr id="8" name="Picture 7"/>
+          <p:cNvPr id="22530" name="Picture 4"/>
           <p:cNvPicPr>
             <a:picLocks noChangeAspect="1"/>
           </p:cNvPicPr>
@@ -6090,26 +7095,61 @@
         </p:nvPicPr>
         <p:blipFill>
           <a:blip r:embed="rId4"/>
+          <a:srcRect/>
           <a:stretch>
             <a:fillRect/>
           </a:stretch>
         </p:blipFill>
-        <p:spPr>
+        <p:spPr bwMode="auto">
           <a:xfrm>
-            <a:off x="9961125" y="404154"/>
-            <a:ext cx="1530229" cy="1438781"/>
+            <a:off x="2500313" y="484188"/>
+            <a:ext cx="7461250" cy="5810250"/>
           </a:xfrm>
           <a:prstGeom prst="rect">
             <a:avLst/>
           </a:prstGeom>
+          <a:noFill/>
+          <a:ln w="9525">
+            <a:noFill/>
+            <a:miter lim="800000"/>
+            <a:headEnd/>
+            <a:tailEnd/>
+          </a:ln>
+        </p:spPr>
+      </p:pic>
+      <p:pic>
+        <p:nvPicPr>
+          <p:cNvPr id="22531" name="Picture 7"/>
+          <p:cNvPicPr>
+            <a:picLocks noChangeAspect="1"/>
+          </p:cNvPicPr>
+          <p:nvPr/>
+        </p:nvPicPr>
+        <p:blipFill>
+          <a:blip r:embed="rId5"/>
+          <a:srcRect/>
+          <a:stretch>
+            <a:fillRect/>
+          </a:stretch>
+        </p:blipFill>
+        <p:spPr bwMode="auto">
+          <a:xfrm>
+            <a:off x="9961563" y="404813"/>
+            <a:ext cx="1530350" cy="1438275"/>
+          </a:xfrm>
+          <a:prstGeom prst="rect">
+            <a:avLst/>
+          </a:prstGeom>
+          <a:noFill/>
+          <a:ln w="9525">
+            <a:noFill/>
+            <a:miter lim="800000"/>
+            <a:headEnd/>
+            <a:tailEnd/>
+          </a:ln>
         </p:spPr>
       </p:pic>
     </p:spTree>
-    <p:extLst>
-      <p:ext uri="{BB962C8B-B14F-4D97-AF65-F5344CB8AC3E}">
-        <p14:creationId xmlns:p14="http://schemas.microsoft.com/office/powerpoint/2010/main" val="412094485"/>
-      </p:ext>
-    </p:extLst>
   </p:cSld>
   <p:clrMapOvr>
     <a:masterClrMapping/>
@@ -6167,7 +7207,7 @@
     </a:clrScheme>
     <a:fontScheme name="Slice">
       <a:majorFont>
-        <a:latin typeface="Century Gothic" panose="020B0502020202020204"/>
+        <a:latin typeface="Century Gothic"/>
         <a:ea typeface=""/>
         <a:cs typeface=""/>
         <a:font script="Jpan" typeface="メイリオ"/>
@@ -6202,7 +7242,7 @@
         <a:font script="Geor" typeface="Sylfaen"/>
       </a:majorFont>
       <a:minorFont>
-        <a:latin typeface="Century Gothic" panose="020B0502020202020204"/>
+        <a:latin typeface="Century Gothic"/>
         <a:ea typeface=""/>
         <a:cs typeface=""/>
         <a:font script="Jpan" typeface="メイリオ"/>
@@ -6396,4 +7436,287 @@
     </a:ext>
   </a:extLst>
 </a:theme>
+</file>
+
+<file path=ppt/theme/theme2.xml><?xml version="1.0" encoding="utf-8"?>
+<a:theme xmlns:a="http://schemas.openxmlformats.org/drawingml/2006/main" name="Office Theme">
+  <a:themeElements>
+    <a:clrScheme name="">
+      <a:dk1>
+        <a:srgbClr val="000000"/>
+      </a:dk1>
+      <a:lt1>
+        <a:srgbClr val="FFFFFF"/>
+      </a:lt1>
+      <a:dk2>
+        <a:srgbClr val="000000"/>
+      </a:dk2>
+      <a:lt2>
+        <a:srgbClr val="808080"/>
+      </a:lt2>
+      <a:accent1>
+        <a:srgbClr val="BBE0E3"/>
+      </a:accent1>
+      <a:accent2>
+        <a:srgbClr val="333399"/>
+      </a:accent2>
+      <a:accent3>
+        <a:srgbClr val="FFFFFF"/>
+      </a:accent3>
+      <a:accent4>
+        <a:srgbClr val="000000"/>
+      </a:accent4>
+      <a:accent5>
+        <a:srgbClr val="DAEDEF"/>
+      </a:accent5>
+      <a:accent6>
+        <a:srgbClr val="2D2D8A"/>
+      </a:accent6>
+      <a:hlink>
+        <a:srgbClr val="009999"/>
+      </a:hlink>
+      <a:folHlink>
+        <a:srgbClr val="99CC00"/>
+      </a:folHlink>
+    </a:clrScheme>
+    <a:fontScheme name="Office">
+      <a:majorFont>
+        <a:latin typeface="Calibri"/>
+        <a:ea typeface=""/>
+        <a:cs typeface=""/>
+        <a:font script="Jpan" typeface="ＭＳ Ｐゴシック"/>
+        <a:font script="Hang" typeface="맑은 고딕"/>
+        <a:font script="Hans" typeface="宋体"/>
+        <a:font script="Hant" typeface="新細明體"/>
+        <a:font script="Arab" typeface="Times New Roman"/>
+        <a:font script="Hebr" typeface="Times New Roman"/>
+        <a:font script="Thai" typeface="Angsana New"/>
+        <a:font script="Ethi" typeface="Nyala"/>
+        <a:font script="Beng" typeface="Vrinda"/>
+        <a:font script="Gujr" typeface="Shruti"/>
+        <a:font script="Khmr" typeface="MoolBoran"/>
+        <a:font script="Knda" typeface="Tunga"/>
+        <a:font script="Guru" typeface="Raavi"/>
+        <a:font script="Cans" typeface="Euphemia"/>
+        <a:font script="Cher" typeface="Plantagenet Cherokee"/>
+        <a:font script="Yiii" typeface="Microsoft Yi Baiti"/>
+        <a:font script="Tibt" typeface="Microsoft Himalaya"/>
+        <a:font script="Thaa" typeface="MV Boli"/>
+        <a:font script="Deva" typeface="Mangal"/>
+        <a:font script="Telu" typeface="Gautami"/>
+        <a:font script="Taml" typeface="Latha"/>
+        <a:font script="Syrc" typeface="Estrangelo Edessa"/>
+        <a:font script="Orya" typeface="Kalinga"/>
+        <a:font script="Mlym" typeface="Kartika"/>
+        <a:font script="Laoo" typeface="DokChampa"/>
+        <a:font script="Sinh" typeface="Iskoola Pota"/>
+        <a:font script="Mong" typeface="Mongolian Baiti"/>
+        <a:font script="Viet" typeface="Times New Roman"/>
+        <a:font script="Uigh" typeface="Microsoft Uighur"/>
+      </a:majorFont>
+      <a:minorFont>
+        <a:latin typeface="Calibri"/>
+        <a:ea typeface=""/>
+        <a:cs typeface=""/>
+        <a:font script="Jpan" typeface="ＭＳ Ｐゴシック"/>
+        <a:font script="Hang" typeface="맑은 고딕"/>
+        <a:font script="Hans" typeface="宋体"/>
+        <a:font script="Hant" typeface="新細明體"/>
+        <a:font script="Arab" typeface="Arial"/>
+        <a:font script="Hebr" typeface="Arial"/>
+        <a:font script="Thai" typeface="Cordia New"/>
+        <a:font script="Ethi" typeface="Nyala"/>
+        <a:font script="Beng" typeface="Vrinda"/>
+        <a:font script="Gujr" typeface="Shruti"/>
+        <a:font script="Khmr" typeface="DaunPenh"/>
+        <a:font script="Knda" typeface="Tunga"/>
+        <a:font script="Guru" typeface="Raavi"/>
+        <a:font script="Cans" typeface="Euphemia"/>
+        <a:font script="Cher" typeface="Plantagenet Cherokee"/>
+        <a:font script="Yiii" typeface="Microsoft Yi Baiti"/>
+        <a:font script="Tibt" typeface="Microsoft Himalaya"/>
+        <a:font script="Thaa" typeface="MV Boli"/>
+        <a:font script="Deva" typeface="Mangal"/>
+        <a:font script="Telu" typeface="Gautami"/>
+        <a:font script="Taml" typeface="Latha"/>
+        <a:font script="Syrc" typeface="Estrangelo Edessa"/>
+        <a:font script="Orya" typeface="Kalinga"/>
+        <a:font script="Mlym" typeface="Kartika"/>
+        <a:font script="Laoo" typeface="DokChampa"/>
+        <a:font script="Sinh" typeface="Iskoola Pota"/>
+        <a:font script="Mong" typeface="Mongolian Baiti"/>
+        <a:font script="Viet" typeface="Arial"/>
+        <a:font script="Uigh" typeface="Microsoft Uighur"/>
+      </a:minorFont>
+    </a:fontScheme>
+    <a:fmtScheme name="Office">
+      <a:fillStyleLst>
+        <a:solidFill>
+          <a:schemeClr val="phClr"/>
+        </a:solidFill>
+        <a:gradFill rotWithShape="1">
+          <a:gsLst>
+            <a:gs pos="0">
+              <a:schemeClr val="phClr">
+                <a:tint val="50000"/>
+                <a:satMod val="300000"/>
+              </a:schemeClr>
+            </a:gs>
+            <a:gs pos="35000">
+              <a:schemeClr val="phClr">
+                <a:tint val="37000"/>
+                <a:satMod val="300000"/>
+              </a:schemeClr>
+            </a:gs>
+            <a:gs pos="100000">
+              <a:schemeClr val="phClr">
+                <a:tint val="15000"/>
+                <a:satMod val="350000"/>
+              </a:schemeClr>
+            </a:gs>
+          </a:gsLst>
+          <a:lin ang="16200000" scaled="1"/>
+        </a:gradFill>
+        <a:gradFill rotWithShape="1">
+          <a:gsLst>
+            <a:gs pos="0">
+              <a:schemeClr val="phClr">
+                <a:shade val="51000"/>
+                <a:satMod val="130000"/>
+              </a:schemeClr>
+            </a:gs>
+            <a:gs pos="80000">
+              <a:schemeClr val="phClr">
+                <a:shade val="93000"/>
+                <a:satMod val="130000"/>
+              </a:schemeClr>
+            </a:gs>
+            <a:gs pos="100000">
+              <a:schemeClr val="phClr">
+                <a:shade val="94000"/>
+                <a:satMod val="135000"/>
+              </a:schemeClr>
+            </a:gs>
+          </a:gsLst>
+          <a:lin ang="16200000" scaled="0"/>
+        </a:gradFill>
+      </a:fillStyleLst>
+      <a:lnStyleLst>
+        <a:ln w="9525" cap="flat" cmpd="sng" algn="ctr">
+          <a:solidFill>
+            <a:schemeClr val="phClr">
+              <a:shade val="95000"/>
+              <a:satMod val="105000"/>
+            </a:schemeClr>
+          </a:solidFill>
+          <a:prstDash val="solid"/>
+        </a:ln>
+        <a:ln w="25400" cap="flat" cmpd="sng" algn="ctr">
+          <a:solidFill>
+            <a:schemeClr val="phClr"/>
+          </a:solidFill>
+          <a:prstDash val="solid"/>
+        </a:ln>
+        <a:ln w="38100" cap="flat" cmpd="sng" algn="ctr">
+          <a:solidFill>
+            <a:schemeClr val="phClr"/>
+          </a:solidFill>
+          <a:prstDash val="solid"/>
+        </a:ln>
+      </a:lnStyleLst>
+      <a:effectStyleLst>
+        <a:effectStyle>
+          <a:effectLst>
+            <a:outerShdw blurRad="40000" dist="20000" dir="5400000" rotWithShape="0">
+              <a:srgbClr val="000000">
+                <a:alpha val="38000"/>
+              </a:srgbClr>
+            </a:outerShdw>
+          </a:effectLst>
+        </a:effectStyle>
+        <a:effectStyle>
+          <a:effectLst>
+            <a:outerShdw blurRad="40000" dist="23000" dir="5400000" rotWithShape="0">
+              <a:srgbClr val="000000">
+                <a:alpha val="35000"/>
+              </a:srgbClr>
+            </a:outerShdw>
+          </a:effectLst>
+        </a:effectStyle>
+        <a:effectStyle>
+          <a:effectLst>
+            <a:outerShdw blurRad="40000" dist="23000" dir="5400000" rotWithShape="0">
+              <a:srgbClr val="000000">
+                <a:alpha val="35000"/>
+              </a:srgbClr>
+            </a:outerShdw>
+          </a:effectLst>
+          <a:scene3d>
+            <a:camera prst="orthographicFront">
+              <a:rot lat="0" lon="0" rev="0"/>
+            </a:camera>
+            <a:lightRig rig="threePt" dir="t">
+              <a:rot lat="0" lon="0" rev="1200000"/>
+            </a:lightRig>
+          </a:scene3d>
+          <a:sp3d>
+            <a:bevelT w="63500" h="25400"/>
+          </a:sp3d>
+        </a:effectStyle>
+      </a:effectStyleLst>
+      <a:bgFillStyleLst>
+        <a:solidFill>
+          <a:schemeClr val="phClr"/>
+        </a:solidFill>
+        <a:gradFill rotWithShape="1">
+          <a:gsLst>
+            <a:gs pos="0">
+              <a:schemeClr val="phClr">
+                <a:tint val="40000"/>
+                <a:satMod val="350000"/>
+              </a:schemeClr>
+            </a:gs>
+            <a:gs pos="40000">
+              <a:schemeClr val="phClr">
+                <a:tint val="45000"/>
+                <a:shade val="99000"/>
+                <a:satMod val="350000"/>
+              </a:schemeClr>
+            </a:gs>
+            <a:gs pos="100000">
+              <a:schemeClr val="phClr">
+                <a:shade val="20000"/>
+                <a:satMod val="255000"/>
+              </a:schemeClr>
+            </a:gs>
+          </a:gsLst>
+          <a:path path="circle">
+            <a:fillToRect l="50000" t="-80000" r="50000" b="180000"/>
+          </a:path>
+        </a:gradFill>
+        <a:gradFill rotWithShape="1">
+          <a:gsLst>
+            <a:gs pos="0">
+              <a:schemeClr val="phClr">
+                <a:tint val="80000"/>
+                <a:satMod val="300000"/>
+              </a:schemeClr>
+            </a:gs>
+            <a:gs pos="100000">
+              <a:schemeClr val="phClr">
+                <a:shade val="30000"/>
+                <a:satMod val="200000"/>
+              </a:schemeClr>
+            </a:gs>
+          </a:gsLst>
+          <a:path path="circle">
+            <a:fillToRect l="50000" t="50000" r="50000" b="50000"/>
+          </a:path>
+        </a:gradFill>
+      </a:bgFillStyleLst>
+    </a:fmtScheme>
+  </a:themeElements>
+  <a:objectDefaults/>
+  <a:extraClrSchemeLst/>
+</a:theme>
 </file>